--- a/Trasparencias/FSM.pptx
+++ b/Trasparencias/FSM.pptx
@@ -3672,23 +3672,23 @@
     </dgm:pt>
   </dgm:ptLst>
   <dgm:cxnLst>
+    <dgm:cxn modelId="{88CFC890-18F0-4918-BF7D-44718C6EEC1F}" srcId="{BDAA68DE-B927-4FB3-AC31-D8E9B68D6D10}" destId="{138850FE-05A2-4A6B-94BE-2B312317EC87}" srcOrd="0" destOrd="0" parTransId="{7AA1FD58-3ED6-41E7-8C14-91BEFA8D135D}" sibTransId="{FBBA4099-2872-4FF3-B0C1-4141FE60BE57}"/>
+    <dgm:cxn modelId="{294CEBEE-AC6B-421E-9552-56B27CBE74F1}" srcId="{D66183A8-BCA3-4C2E-B087-068CD474A113}" destId="{2840FF5C-66DF-4B34-AB49-FAA155A12F96}" srcOrd="3" destOrd="0" parTransId="{F85ED465-5005-465F-A5D9-57122144B0BF}" sibTransId="{64231E59-D75A-4F69-8BE8-AEEE47D66D84}"/>
     <dgm:cxn modelId="{0B4166D1-1D7C-4E0D-A398-598DE3E3D8F1}" srcId="{CF66712C-BF23-4972-860D-57FF1335CC6C}" destId="{E5044948-4B40-4D28-A11B-185A7468E392}" srcOrd="0" destOrd="0" parTransId="{2901580A-92FF-43F6-BA33-6C029DD99F27}" sibTransId="{1DA0C4F4-2F8C-44EB-8EE2-1334554CEB89}"/>
-    <dgm:cxn modelId="{8EC4C50E-CE60-44E0-BA0A-591DE6452AE6}" srcId="{D66183A8-BCA3-4C2E-B087-068CD474A113}" destId="{63A1E743-87B4-4439-93DD-57914A5E4BFE}" srcOrd="2" destOrd="0" parTransId="{83645180-B10C-42D2-BD7B-339690784767}" sibTransId="{539DDF6C-16A4-4BED-BCFE-B6D558B8949E}"/>
-    <dgm:cxn modelId="{35912046-58D4-48F8-8199-D10C5D0FE60C}" type="presOf" srcId="{E5044948-4B40-4D28-A11B-185A7468E392}" destId="{EADFA5BB-DED2-4F41-A4DF-DC11CADB0CB6}" srcOrd="0" destOrd="1" presId="urn:microsoft.com/office/officeart/2005/8/layout/matrix3"/>
-    <dgm:cxn modelId="{294CEBEE-AC6B-421E-9552-56B27CBE74F1}" srcId="{D66183A8-BCA3-4C2E-B087-068CD474A113}" destId="{2840FF5C-66DF-4B34-AB49-FAA155A12F96}" srcOrd="3" destOrd="0" parTransId="{F85ED465-5005-465F-A5D9-57122144B0BF}" sibTransId="{64231E59-D75A-4F69-8BE8-AEEE47D66D84}"/>
-    <dgm:cxn modelId="{9E6E5116-DDD9-47FA-99AC-0CDF6F6A2745}" srcId="{2840FF5C-66DF-4B34-AB49-FAA155A12F96}" destId="{420782A2-0ABA-455F-8447-0A325DC3E63F}" srcOrd="0" destOrd="0" parTransId="{0B16C4C8-8E17-4B8C-915B-23A11500022B}" sibTransId="{CCCE2560-99E3-412E-89A9-BD12861D87FC}"/>
-    <dgm:cxn modelId="{F38D2707-E2A6-4378-A662-CDAF7C8D0AB7}" srcId="{D66183A8-BCA3-4C2E-B087-068CD474A113}" destId="{CF66712C-BF23-4972-860D-57FF1335CC6C}" srcOrd="0" destOrd="0" parTransId="{775B8ACD-778C-4B74-9F19-E04DD9F9C724}" sibTransId="{64210BED-20E4-4D4A-880F-3B7C68F01DBE}"/>
-    <dgm:cxn modelId="{9DC358F5-690C-4B36-B770-709AC248F1CB}" type="presOf" srcId="{1BF94D20-1817-4321-A38A-79FA75503C7F}" destId="{03E23F4A-9846-4986-A177-0BB9950AE2AA}" srcOrd="0" destOrd="1" presId="urn:microsoft.com/office/officeart/2005/8/layout/matrix3"/>
-    <dgm:cxn modelId="{8C460483-EE2B-4567-9222-8BB1191B788D}" type="presOf" srcId="{D66183A8-BCA3-4C2E-B087-068CD474A113}" destId="{2DAAA384-B244-498F-A2AB-A461B5B30B07}" srcOrd="0" destOrd="0" presId="urn:microsoft.com/office/officeart/2005/8/layout/matrix3"/>
-    <dgm:cxn modelId="{88CFC890-18F0-4918-BF7D-44718C6EEC1F}" srcId="{BDAA68DE-B927-4FB3-AC31-D8E9B68D6D10}" destId="{138850FE-05A2-4A6B-94BE-2B312317EC87}" srcOrd="0" destOrd="0" parTransId="{7AA1FD58-3ED6-41E7-8C14-91BEFA8D135D}" sibTransId="{FBBA4099-2872-4FF3-B0C1-4141FE60BE57}"/>
-    <dgm:cxn modelId="{BEACC4B5-3482-4728-AF23-A0F272CD2457}" srcId="{D66183A8-BCA3-4C2E-B087-068CD474A113}" destId="{BDAA68DE-B927-4FB3-AC31-D8E9B68D6D10}" srcOrd="1" destOrd="0" parTransId="{BC7E58D2-365C-4B29-8621-F87E054B3BA0}" sibTransId="{0AD3DE53-D9EE-4017-B49C-6D5D1F1DCF55}"/>
-    <dgm:cxn modelId="{ACE3EBE8-8A81-4188-AFB7-5DFB96260099}" srcId="{63A1E743-87B4-4439-93DD-57914A5E4BFE}" destId="{1BF94D20-1817-4321-A38A-79FA75503C7F}" srcOrd="0" destOrd="0" parTransId="{0A76E202-5303-4895-945C-066EBE733800}" sibTransId="{C2671F6B-7A4B-4572-A949-645EA0CDD8D5}"/>
+    <dgm:cxn modelId="{BC85447C-6EF4-4231-84A9-F23EDDB7D265}" type="presOf" srcId="{CF66712C-BF23-4972-860D-57FF1335CC6C}" destId="{EADFA5BB-DED2-4F41-A4DF-DC11CADB0CB6}" srcOrd="0" destOrd="0" presId="urn:microsoft.com/office/officeart/2005/8/layout/matrix3"/>
     <dgm:cxn modelId="{E14FEEA2-9D0F-4999-9FB5-ED2A887FA1B1}" type="presOf" srcId="{63A1E743-87B4-4439-93DD-57914A5E4BFE}" destId="{03E23F4A-9846-4986-A177-0BB9950AE2AA}" srcOrd="0" destOrd="0" presId="urn:microsoft.com/office/officeart/2005/8/layout/matrix3"/>
     <dgm:cxn modelId="{B022929B-3BA2-4355-A5F7-734D4ECE53DA}" type="presOf" srcId="{138850FE-05A2-4A6B-94BE-2B312317EC87}" destId="{C457B4E6-9F86-46C1-9A50-AD426D0BE974}" srcOrd="0" destOrd="1" presId="urn:microsoft.com/office/officeart/2005/8/layout/matrix3"/>
+    <dgm:cxn modelId="{F38D2707-E2A6-4378-A662-CDAF7C8D0AB7}" srcId="{D66183A8-BCA3-4C2E-B087-068CD474A113}" destId="{CF66712C-BF23-4972-860D-57FF1335CC6C}" srcOrd="0" destOrd="0" parTransId="{775B8ACD-778C-4B74-9F19-E04DD9F9C724}" sibTransId="{64210BED-20E4-4D4A-880F-3B7C68F01DBE}"/>
     <dgm:cxn modelId="{CC9FDB70-24C3-45A1-81FC-7D3D9A7F5D49}" type="presOf" srcId="{BDAA68DE-B927-4FB3-AC31-D8E9B68D6D10}" destId="{C457B4E6-9F86-46C1-9A50-AD426D0BE974}" srcOrd="0" destOrd="0" presId="urn:microsoft.com/office/officeart/2005/8/layout/matrix3"/>
-    <dgm:cxn modelId="{BC85447C-6EF4-4231-84A9-F23EDDB7D265}" type="presOf" srcId="{CF66712C-BF23-4972-860D-57FF1335CC6C}" destId="{EADFA5BB-DED2-4F41-A4DF-DC11CADB0CB6}" srcOrd="0" destOrd="0" presId="urn:microsoft.com/office/officeart/2005/8/layout/matrix3"/>
+    <dgm:cxn modelId="{8C460483-EE2B-4567-9222-8BB1191B788D}" type="presOf" srcId="{D66183A8-BCA3-4C2E-B087-068CD474A113}" destId="{2DAAA384-B244-498F-A2AB-A461B5B30B07}" srcOrd="0" destOrd="0" presId="urn:microsoft.com/office/officeart/2005/8/layout/matrix3"/>
     <dgm:cxn modelId="{4A94C062-CA8E-4FA9-8F77-730B394ADA4F}" type="presOf" srcId="{2840FF5C-66DF-4B34-AB49-FAA155A12F96}" destId="{40C035F9-BE7A-445B-810D-8FA7691FE672}" srcOrd="0" destOrd="0" presId="urn:microsoft.com/office/officeart/2005/8/layout/matrix3"/>
+    <dgm:cxn modelId="{9DC358F5-690C-4B36-B770-709AC248F1CB}" type="presOf" srcId="{1BF94D20-1817-4321-A38A-79FA75503C7F}" destId="{03E23F4A-9846-4986-A177-0BB9950AE2AA}" srcOrd="0" destOrd="1" presId="urn:microsoft.com/office/officeart/2005/8/layout/matrix3"/>
+    <dgm:cxn modelId="{9E6E5116-DDD9-47FA-99AC-0CDF6F6A2745}" srcId="{2840FF5C-66DF-4B34-AB49-FAA155A12F96}" destId="{420782A2-0ABA-455F-8447-0A325DC3E63F}" srcOrd="0" destOrd="0" parTransId="{0B16C4C8-8E17-4B8C-915B-23A11500022B}" sibTransId="{CCCE2560-99E3-412E-89A9-BD12861D87FC}"/>
+    <dgm:cxn modelId="{ACE3EBE8-8A81-4188-AFB7-5DFB96260099}" srcId="{63A1E743-87B4-4439-93DD-57914A5E4BFE}" destId="{1BF94D20-1817-4321-A38A-79FA75503C7F}" srcOrd="0" destOrd="0" parTransId="{0A76E202-5303-4895-945C-066EBE733800}" sibTransId="{C2671F6B-7A4B-4572-A949-645EA0CDD8D5}"/>
+    <dgm:cxn modelId="{BEACC4B5-3482-4728-AF23-A0F272CD2457}" srcId="{D66183A8-BCA3-4C2E-B087-068CD474A113}" destId="{BDAA68DE-B927-4FB3-AC31-D8E9B68D6D10}" srcOrd="1" destOrd="0" parTransId="{BC7E58D2-365C-4B29-8621-F87E054B3BA0}" sibTransId="{0AD3DE53-D9EE-4017-B49C-6D5D1F1DCF55}"/>
+    <dgm:cxn modelId="{35912046-58D4-48F8-8199-D10C5D0FE60C}" type="presOf" srcId="{E5044948-4B40-4D28-A11B-185A7468E392}" destId="{EADFA5BB-DED2-4F41-A4DF-DC11CADB0CB6}" srcOrd="0" destOrd="1" presId="urn:microsoft.com/office/officeart/2005/8/layout/matrix3"/>
     <dgm:cxn modelId="{C340D0CE-F87D-4B99-9D1B-DA1197A6A839}" type="presOf" srcId="{420782A2-0ABA-455F-8447-0A325DC3E63F}" destId="{40C035F9-BE7A-445B-810D-8FA7691FE672}" srcOrd="0" destOrd="1" presId="urn:microsoft.com/office/officeart/2005/8/layout/matrix3"/>
+    <dgm:cxn modelId="{8EC4C50E-CE60-44E0-BA0A-591DE6452AE6}" srcId="{D66183A8-BCA3-4C2E-B087-068CD474A113}" destId="{63A1E743-87B4-4439-93DD-57914A5E4BFE}" srcOrd="2" destOrd="0" parTransId="{83645180-B10C-42D2-BD7B-339690784767}" sibTransId="{539DDF6C-16A4-4BED-BCFE-B6D558B8949E}"/>
     <dgm:cxn modelId="{0118E6C2-19A9-47D1-975E-ED57E113EFC8}" type="presParOf" srcId="{2DAAA384-B244-498F-A2AB-A461B5B30B07}" destId="{4424EDD2-B575-4678-A168-0CF8D5A672C8}" srcOrd="0" destOrd="0" presId="urn:microsoft.com/office/officeart/2005/8/layout/matrix3"/>
     <dgm:cxn modelId="{32BC0D6C-2AFB-464C-8491-25111BE87B46}" type="presParOf" srcId="{2DAAA384-B244-498F-A2AB-A461B5B30B07}" destId="{EADFA5BB-DED2-4F41-A4DF-DC11CADB0CB6}" srcOrd="1" destOrd="0" presId="urn:microsoft.com/office/officeart/2005/8/layout/matrix3"/>
     <dgm:cxn modelId="{10DD1272-1A3B-487C-A291-A7CB2C7DB49F}" type="presParOf" srcId="{2DAAA384-B244-498F-A2AB-A461B5B30B07}" destId="{C457B4E6-9F86-46C1-9A50-AD426D0BE974}" srcOrd="2" destOrd="0" presId="urn:microsoft.com/office/officeart/2005/8/layout/matrix3"/>
@@ -4812,8 +4812,8 @@
     <dgm:cxn modelId="{F4A188FF-C086-48FA-81E1-685C21E62F01}" type="presOf" srcId="{2C3AC232-944C-4428-B28D-1A0544F16D1F}" destId="{03E10150-8888-4030-9B18-AE46057CE308}" srcOrd="0" destOrd="1" presId="urn:microsoft.com/office/officeart/2005/8/layout/hProcess7"/>
     <dgm:cxn modelId="{76BBD15A-BDA6-4E58-8E6E-8569422593FF}" srcId="{B53F5DA1-2C07-49D8-96D5-4C35988F649C}" destId="{33B7E716-C525-434C-B760-78F60094BC48}" srcOrd="2" destOrd="0" parTransId="{5CEE8B65-3082-4B70-BD04-816BD8DF10D6}" sibTransId="{54A92296-4596-4605-A0C3-BCA9711E3A88}"/>
     <dgm:cxn modelId="{AFC4D161-BDDF-40EB-B5C2-11EB36FCB610}" srcId="{33B7E716-C525-434C-B760-78F60094BC48}" destId="{371643F4-BF19-428A-B524-7F19D360B1C3}" srcOrd="1" destOrd="0" parTransId="{B48DC2EE-C855-4175-8E80-D590FAB94003}" sibTransId="{692526AC-F03D-466D-8B7E-2A0C7E76EEC5}"/>
+    <dgm:cxn modelId="{A492A31E-52D5-425E-8092-777DB14E47CC}" type="presOf" srcId="{B53F5DA1-2C07-49D8-96D5-4C35988F649C}" destId="{C03C215A-3BE5-482F-A857-310B820C6D80}" srcOrd="0" destOrd="0" presId="urn:microsoft.com/office/officeart/2005/8/layout/hProcess7"/>
     <dgm:cxn modelId="{CCDE904A-D298-4C8A-A544-9DA4185A3A50}" type="presOf" srcId="{33B7E716-C525-434C-B760-78F60094BC48}" destId="{245575D0-DDA5-4E2C-8487-3937ECFD4A2E}" srcOrd="1" destOrd="0" presId="urn:microsoft.com/office/officeart/2005/8/layout/hProcess7"/>
-    <dgm:cxn modelId="{A492A31E-52D5-425E-8092-777DB14E47CC}" type="presOf" srcId="{B53F5DA1-2C07-49D8-96D5-4C35988F649C}" destId="{C03C215A-3BE5-482F-A857-310B820C6D80}" srcOrd="0" destOrd="0" presId="urn:microsoft.com/office/officeart/2005/8/layout/hProcess7"/>
     <dgm:cxn modelId="{75C7FC7C-BC85-4510-A2C8-4C76FF68295E}" srcId="{B0CB2067-011A-4001-ADAF-7338A8C891A7}" destId="{3E200694-6A00-47DA-A851-05F21A1C6DFB}" srcOrd="0" destOrd="0" parTransId="{F38C8CA9-C2ED-4E14-8917-B98C09FCEA59}" sibTransId="{E815B105-C54F-4717-944B-C0AF3AADDAF4}"/>
     <dgm:cxn modelId="{9F91A872-1D2A-48CD-B55D-4474C51F8B3D}" type="presOf" srcId="{7290A5A0-CB17-4DA0-9519-F85071F68039}" destId="{4F1463A1-F50A-4074-9557-8CF82E62CC38}" srcOrd="0" destOrd="1" presId="urn:microsoft.com/office/officeart/2005/8/layout/hProcess7"/>
     <dgm:cxn modelId="{8C283B71-AE45-4A36-B766-A0430C65E9E4}" type="presOf" srcId="{CCE7BA95-4AE4-476A-A5AD-A9AA30BF2D37}" destId="{03E10150-8888-4030-9B18-AE46057CE308}" srcOrd="0" destOrd="0" presId="urn:microsoft.com/office/officeart/2005/8/layout/hProcess7"/>
@@ -4825,8 +4825,8 @@
     <dgm:cxn modelId="{F4DCE676-A284-420A-8876-B69077359143}" srcId="{B0CB2067-011A-4001-ADAF-7338A8C891A7}" destId="{7290A5A0-CB17-4DA0-9519-F85071F68039}" srcOrd="1" destOrd="0" parTransId="{580A707D-8922-4BFC-8973-4A3644C8F773}" sibTransId="{6C055D12-EED9-4DD4-B8C8-2831F6582DD2}"/>
     <dgm:cxn modelId="{4A50BB23-B2FE-4C7B-BF1F-D48126B1C81D}" type="presOf" srcId="{B0CB2067-011A-4001-ADAF-7338A8C891A7}" destId="{13143949-5B45-448E-A217-4A93B2920D9E}" srcOrd="0" destOrd="0" presId="urn:microsoft.com/office/officeart/2005/8/layout/hProcess7"/>
     <dgm:cxn modelId="{8F3D012D-5C17-4A95-9E65-A1230FB96D5A}" srcId="{B53F5DA1-2C07-49D8-96D5-4C35988F649C}" destId="{B0CB2067-011A-4001-ADAF-7338A8C891A7}" srcOrd="0" destOrd="0" parTransId="{B6FCD9DE-BFA1-44EF-A7F5-6EA7DA2C9D8D}" sibTransId="{67FA9EEA-782F-4392-BF76-452D333F1432}"/>
+    <dgm:cxn modelId="{5E1AC44B-3E11-4F30-86EE-2A7B9ED7110A}" type="presOf" srcId="{889900D8-66B6-45AA-AD01-A74071A33747}" destId="{A915E161-C247-4E79-AB98-218B8763F29E}" srcOrd="0" destOrd="0" presId="urn:microsoft.com/office/officeart/2005/8/layout/hProcess7"/>
     <dgm:cxn modelId="{7A212A99-B714-491C-ACA9-890D8641F447}" type="presOf" srcId="{3E200694-6A00-47DA-A851-05F21A1C6DFB}" destId="{4F1463A1-F50A-4074-9557-8CF82E62CC38}" srcOrd="0" destOrd="0" presId="urn:microsoft.com/office/officeart/2005/8/layout/hProcess7"/>
-    <dgm:cxn modelId="{5E1AC44B-3E11-4F30-86EE-2A7B9ED7110A}" type="presOf" srcId="{889900D8-66B6-45AA-AD01-A74071A33747}" destId="{A915E161-C247-4E79-AB98-218B8763F29E}" srcOrd="0" destOrd="0" presId="urn:microsoft.com/office/officeart/2005/8/layout/hProcess7"/>
     <dgm:cxn modelId="{989D7817-A889-42EE-B0CE-7F0EF55A0452}" type="presOf" srcId="{889900D8-66B6-45AA-AD01-A74071A33747}" destId="{8DC432F9-AE9E-46D1-B516-95647F68F8C9}" srcOrd="1" destOrd="0" presId="urn:microsoft.com/office/officeart/2005/8/layout/hProcess7"/>
     <dgm:cxn modelId="{69A11D1B-DFDA-47BA-8ECF-253459267D3A}" type="presParOf" srcId="{C03C215A-3BE5-482F-A857-310B820C6D80}" destId="{6CB2B2F3-DD58-497B-945C-916D26CFF7BB}" srcOrd="0" destOrd="0" presId="urn:microsoft.com/office/officeart/2005/8/layout/hProcess7"/>
     <dgm:cxn modelId="{6BA1FCB8-6015-4A62-BA56-9E66AB11FF66}" type="presParOf" srcId="{6CB2B2F3-DD58-497B-945C-916D26CFF7BB}" destId="{13143949-5B45-448E-A217-4A93B2920D9E}" srcOrd="0" destOrd="0" presId="urn:microsoft.com/office/officeart/2005/8/layout/hProcess7"/>
@@ -5034,6 +5034,425 @@
       <dsp:cNvGrpSpPr/>
     </dsp:nvGrpSpPr>
     <dsp:grpSpPr/>
+    <dsp:sp modelId="{4424EDD2-B575-4678-A168-0CF8D5A672C8}">
+      <dsp:nvSpPr>
+        <dsp:cNvPr id="0" name=""/>
+        <dsp:cNvSpPr/>
+      </dsp:nvSpPr>
+      <dsp:spPr>
+        <a:xfrm>
+          <a:off x="259855" y="0"/>
+          <a:ext cx="4208930" cy="4208930"/>
+        </a:xfrm>
+        <a:prstGeom prst="diamond">
+          <a:avLst/>
+        </a:prstGeom>
+        <a:solidFill>
+          <a:schemeClr val="accent1">
+            <a:tint val="40000"/>
+            <a:hueOff val="0"/>
+            <a:satOff val="0"/>
+            <a:lumOff val="0"/>
+            <a:alphaOff val="0"/>
+          </a:schemeClr>
+        </a:solidFill>
+        <a:ln>
+          <a:noFill/>
+        </a:ln>
+        <a:effectLst/>
+        <a:sp3d z="-400500" extrusionH="63500" contourW="12700" prstMaterial="matte">
+          <a:contourClr>
+            <a:schemeClr val="lt1">
+              <a:tint val="50000"/>
+            </a:schemeClr>
+          </a:contourClr>
+        </a:sp3d>
+      </dsp:spPr>
+      <dsp:style>
+        <a:lnRef idx="0">
+          <a:scrgbClr r="0" g="0" b="0"/>
+        </a:lnRef>
+        <a:fillRef idx="1">
+          <a:scrgbClr r="0" g="0" b="0"/>
+        </a:fillRef>
+        <a:effectRef idx="0">
+          <a:scrgbClr r="0" g="0" b="0"/>
+        </a:effectRef>
+        <a:fontRef idx="minor"/>
+      </dsp:style>
+    </dsp:sp>
+    <dsp:sp modelId="{EADFA5BB-DED2-4F41-A4DF-DC11CADB0CB6}">
+      <dsp:nvSpPr>
+        <dsp:cNvPr id="0" name=""/>
+        <dsp:cNvSpPr/>
+      </dsp:nvSpPr>
+      <dsp:spPr>
+        <a:xfrm>
+          <a:off x="659703" y="399848"/>
+          <a:ext cx="1641482" cy="1641482"/>
+        </a:xfrm>
+        <a:prstGeom prst="roundRect">
+          <a:avLst/>
+        </a:prstGeom>
+        <a:solidFill>
+          <a:schemeClr val="accent1">
+            <a:hueOff val="0"/>
+            <a:satOff val="0"/>
+            <a:lumOff val="0"/>
+            <a:alphaOff val="0"/>
+          </a:schemeClr>
+        </a:solidFill>
+        <a:ln>
+          <a:noFill/>
+        </a:ln>
+        <a:effectLst/>
+        <a:sp3d extrusionH="381000" contourW="38100" prstMaterial="matte">
+          <a:contourClr>
+            <a:schemeClr val="lt1"/>
+          </a:contourClr>
+        </a:sp3d>
+      </dsp:spPr>
+      <dsp:style>
+        <a:lnRef idx="0">
+          <a:scrgbClr r="0" g="0" b="0"/>
+        </a:lnRef>
+        <a:fillRef idx="1">
+          <a:scrgbClr r="0" g="0" b="0"/>
+        </a:fillRef>
+        <a:effectRef idx="0">
+          <a:scrgbClr r="0" g="0" b="0"/>
+        </a:effectRef>
+        <a:fontRef idx="minor">
+          <a:schemeClr val="lt1"/>
+        </a:fontRef>
+      </dsp:style>
+      <dsp:txBody>
+        <a:bodyPr spcFirstLastPara="0" vert="horz" wrap="square" lIns="60960" tIns="60960" rIns="60960" bIns="60960" numCol="1" spcCol="1270" anchor="t" anchorCtr="0">
+          <a:noAutofit/>
+        </a:bodyPr>
+        <a:lstStyle/>
+        <a:p>
+          <a:pPr lvl="0" algn="l" defTabSz="711200" rtl="0">
+            <a:lnSpc>
+              <a:spcPct val="90000"/>
+            </a:lnSpc>
+            <a:spcBef>
+              <a:spcPct val="0"/>
+            </a:spcBef>
+            <a:spcAft>
+              <a:spcPct val="35000"/>
+            </a:spcAft>
+          </a:pPr>
+          <a:r>
+            <a:rPr lang="es-ES" sz="1600" kern="1200" smtClean="0"/>
+            <a:t>Arquitecturas Reactivas</a:t>
+          </a:r>
+          <a:endParaRPr lang="es-ES" sz="1600" kern="1200"/>
+        </a:p>
+        <a:p>
+          <a:pPr marL="114300" lvl="1" indent="-114300" algn="l" defTabSz="533400" rtl="0">
+            <a:lnSpc>
+              <a:spcPct val="90000"/>
+            </a:lnSpc>
+            <a:spcBef>
+              <a:spcPct val="0"/>
+            </a:spcBef>
+            <a:spcAft>
+              <a:spcPct val="15000"/>
+            </a:spcAft>
+            <a:buChar char="••"/>
+          </a:pPr>
+          <a:r>
+            <a:rPr lang="es-ES" sz="1200" kern="1200" smtClean="0"/>
+            <a:t>Subsumption Architecture</a:t>
+          </a:r>
+          <a:endParaRPr lang="es-ES" sz="1200" kern="1200"/>
+        </a:p>
+      </dsp:txBody>
+      <dsp:txXfrm>
+        <a:off x="739834" y="479979"/>
+        <a:ext cx="1481220" cy="1481220"/>
+      </dsp:txXfrm>
+    </dsp:sp>
+    <dsp:sp modelId="{C457B4E6-9F86-46C1-9A50-AD426D0BE974}">
+      <dsp:nvSpPr>
+        <dsp:cNvPr id="0" name=""/>
+        <dsp:cNvSpPr/>
+      </dsp:nvSpPr>
+      <dsp:spPr>
+        <a:xfrm>
+          <a:off x="2427454" y="399848"/>
+          <a:ext cx="1641482" cy="1641482"/>
+        </a:xfrm>
+        <a:prstGeom prst="roundRect">
+          <a:avLst/>
+        </a:prstGeom>
+        <a:solidFill>
+          <a:schemeClr val="accent1">
+            <a:hueOff val="0"/>
+            <a:satOff val="0"/>
+            <a:lumOff val="0"/>
+            <a:alphaOff val="0"/>
+          </a:schemeClr>
+        </a:solidFill>
+        <a:ln>
+          <a:noFill/>
+        </a:ln>
+        <a:effectLst/>
+        <a:sp3d extrusionH="381000" contourW="38100" prstMaterial="matte">
+          <a:contourClr>
+            <a:schemeClr val="lt1"/>
+          </a:contourClr>
+        </a:sp3d>
+      </dsp:spPr>
+      <dsp:style>
+        <a:lnRef idx="0">
+          <a:scrgbClr r="0" g="0" b="0"/>
+        </a:lnRef>
+        <a:fillRef idx="1">
+          <a:scrgbClr r="0" g="0" b="0"/>
+        </a:fillRef>
+        <a:effectRef idx="0">
+          <a:scrgbClr r="0" g="0" b="0"/>
+        </a:effectRef>
+        <a:fontRef idx="minor">
+          <a:schemeClr val="lt1"/>
+        </a:fontRef>
+      </dsp:style>
+      <dsp:txBody>
+        <a:bodyPr spcFirstLastPara="0" vert="horz" wrap="square" lIns="60960" tIns="60960" rIns="60960" bIns="60960" numCol="1" spcCol="1270" anchor="t" anchorCtr="0">
+          <a:noAutofit/>
+        </a:bodyPr>
+        <a:lstStyle/>
+        <a:p>
+          <a:pPr lvl="0" algn="l" defTabSz="711200" rtl="0">
+            <a:lnSpc>
+              <a:spcPct val="90000"/>
+            </a:lnSpc>
+            <a:spcBef>
+              <a:spcPct val="0"/>
+            </a:spcBef>
+            <a:spcAft>
+              <a:spcPct val="35000"/>
+            </a:spcAft>
+          </a:pPr>
+          <a:r>
+            <a:rPr lang="es-ES" sz="1600" kern="1200" smtClean="0"/>
+            <a:t>Arquitecturas Deliberativas</a:t>
+          </a:r>
+          <a:endParaRPr lang="es-ES" sz="1600" kern="1200"/>
+        </a:p>
+        <a:p>
+          <a:pPr marL="114300" lvl="1" indent="-114300" algn="l" defTabSz="533400" rtl="0">
+            <a:lnSpc>
+              <a:spcPct val="90000"/>
+            </a:lnSpc>
+            <a:spcBef>
+              <a:spcPct val="0"/>
+            </a:spcBef>
+            <a:spcAft>
+              <a:spcPct val="15000"/>
+            </a:spcAft>
+            <a:buChar char="••"/>
+          </a:pPr>
+          <a:r>
+            <a:rPr lang="es-ES" sz="1200" kern="1200" smtClean="0"/>
+            <a:t>Basadas en BDI </a:t>
+          </a:r>
+          <a:endParaRPr lang="es-ES" sz="1200" kern="1200"/>
+        </a:p>
+      </dsp:txBody>
+      <dsp:txXfrm>
+        <a:off x="2507585" y="479979"/>
+        <a:ext cx="1481220" cy="1481220"/>
+      </dsp:txXfrm>
+    </dsp:sp>
+    <dsp:sp modelId="{03E23F4A-9846-4986-A177-0BB9950AE2AA}">
+      <dsp:nvSpPr>
+        <dsp:cNvPr id="0" name=""/>
+        <dsp:cNvSpPr/>
+      </dsp:nvSpPr>
+      <dsp:spPr>
+        <a:xfrm>
+          <a:off x="659703" y="2167598"/>
+          <a:ext cx="1641482" cy="1641482"/>
+        </a:xfrm>
+        <a:prstGeom prst="roundRect">
+          <a:avLst/>
+        </a:prstGeom>
+        <a:solidFill>
+          <a:schemeClr val="accent1">
+            <a:hueOff val="0"/>
+            <a:satOff val="0"/>
+            <a:lumOff val="0"/>
+            <a:alphaOff val="0"/>
+          </a:schemeClr>
+        </a:solidFill>
+        <a:ln>
+          <a:noFill/>
+        </a:ln>
+        <a:effectLst/>
+        <a:sp3d extrusionH="381000" contourW="38100" prstMaterial="matte">
+          <a:contourClr>
+            <a:schemeClr val="lt1"/>
+          </a:contourClr>
+        </a:sp3d>
+      </dsp:spPr>
+      <dsp:style>
+        <a:lnRef idx="0">
+          <a:scrgbClr r="0" g="0" b="0"/>
+        </a:lnRef>
+        <a:fillRef idx="1">
+          <a:scrgbClr r="0" g="0" b="0"/>
+        </a:fillRef>
+        <a:effectRef idx="0">
+          <a:scrgbClr r="0" g="0" b="0"/>
+        </a:effectRef>
+        <a:fontRef idx="minor">
+          <a:schemeClr val="lt1"/>
+        </a:fontRef>
+      </dsp:style>
+      <dsp:txBody>
+        <a:bodyPr spcFirstLastPara="0" vert="horz" wrap="square" lIns="60960" tIns="60960" rIns="60960" bIns="60960" numCol="1" spcCol="1270" anchor="t" anchorCtr="0">
+          <a:noAutofit/>
+        </a:bodyPr>
+        <a:lstStyle/>
+        <a:p>
+          <a:pPr lvl="0" algn="l" defTabSz="711200" rtl="0">
+            <a:lnSpc>
+              <a:spcPct val="90000"/>
+            </a:lnSpc>
+            <a:spcBef>
+              <a:spcPct val="0"/>
+            </a:spcBef>
+            <a:spcAft>
+              <a:spcPct val="35000"/>
+            </a:spcAft>
+          </a:pPr>
+          <a:r>
+            <a:rPr lang="es-ES" sz="1600" kern="1200" smtClean="0"/>
+            <a:t>Arquitecturas en Capas</a:t>
+          </a:r>
+          <a:endParaRPr lang="es-ES" sz="1600" kern="1200"/>
+        </a:p>
+        <a:p>
+          <a:pPr marL="114300" lvl="1" indent="-114300" algn="l" defTabSz="533400" rtl="0">
+            <a:lnSpc>
+              <a:spcPct val="90000"/>
+            </a:lnSpc>
+            <a:spcBef>
+              <a:spcPct val="0"/>
+            </a:spcBef>
+            <a:spcAft>
+              <a:spcPct val="15000"/>
+            </a:spcAft>
+            <a:buChar char="••"/>
+          </a:pPr>
+          <a:r>
+            <a:rPr lang="es-ES" sz="1200" kern="1200" smtClean="0"/>
+            <a:t>Aproximación Híbrida entre Deliberativo y Reactivo</a:t>
+          </a:r>
+          <a:endParaRPr lang="es-ES" sz="1200" kern="1200"/>
+        </a:p>
+      </dsp:txBody>
+      <dsp:txXfrm>
+        <a:off x="739834" y="2247729"/>
+        <a:ext cx="1481220" cy="1481220"/>
+      </dsp:txXfrm>
+    </dsp:sp>
+    <dsp:sp modelId="{40C035F9-BE7A-445B-810D-8FA7691FE672}">
+      <dsp:nvSpPr>
+        <dsp:cNvPr id="0" name=""/>
+        <dsp:cNvSpPr/>
+      </dsp:nvSpPr>
+      <dsp:spPr>
+        <a:xfrm>
+          <a:off x="2427454" y="2167598"/>
+          <a:ext cx="1641482" cy="1641482"/>
+        </a:xfrm>
+        <a:prstGeom prst="roundRect">
+          <a:avLst/>
+        </a:prstGeom>
+        <a:solidFill>
+          <a:schemeClr val="accent1">
+            <a:hueOff val="0"/>
+            <a:satOff val="0"/>
+            <a:lumOff val="0"/>
+            <a:alphaOff val="0"/>
+          </a:schemeClr>
+        </a:solidFill>
+        <a:ln>
+          <a:noFill/>
+        </a:ln>
+        <a:effectLst/>
+        <a:sp3d extrusionH="381000" contourW="38100" prstMaterial="matte">
+          <a:contourClr>
+            <a:schemeClr val="lt1"/>
+          </a:contourClr>
+        </a:sp3d>
+      </dsp:spPr>
+      <dsp:style>
+        <a:lnRef idx="0">
+          <a:scrgbClr r="0" g="0" b="0"/>
+        </a:lnRef>
+        <a:fillRef idx="1">
+          <a:scrgbClr r="0" g="0" b="0"/>
+        </a:fillRef>
+        <a:effectRef idx="0">
+          <a:scrgbClr r="0" g="0" b="0"/>
+        </a:effectRef>
+        <a:fontRef idx="minor">
+          <a:schemeClr val="lt1"/>
+        </a:fontRef>
+      </dsp:style>
+      <dsp:txBody>
+        <a:bodyPr spcFirstLastPara="0" vert="horz" wrap="square" lIns="60960" tIns="60960" rIns="60960" bIns="60960" numCol="1" spcCol="1270" anchor="t" anchorCtr="0">
+          <a:noAutofit/>
+        </a:bodyPr>
+        <a:lstStyle/>
+        <a:p>
+          <a:pPr lvl="0" algn="l" defTabSz="711200" rtl="0">
+            <a:lnSpc>
+              <a:spcPct val="90000"/>
+            </a:lnSpc>
+            <a:spcBef>
+              <a:spcPct val="0"/>
+            </a:spcBef>
+            <a:spcAft>
+              <a:spcPct val="35000"/>
+            </a:spcAft>
+          </a:pPr>
+          <a:r>
+            <a:rPr lang="es-ES" sz="1600" kern="1200" smtClean="0"/>
+            <a:t>Arquitecturas Cognitivas</a:t>
+          </a:r>
+          <a:endParaRPr lang="es-ES" sz="1600" kern="1200"/>
+        </a:p>
+        <a:p>
+          <a:pPr marL="114300" lvl="1" indent="-114300" algn="l" defTabSz="533400" rtl="0">
+            <a:lnSpc>
+              <a:spcPct val="90000"/>
+            </a:lnSpc>
+            <a:spcBef>
+              <a:spcPct val="0"/>
+            </a:spcBef>
+            <a:spcAft>
+              <a:spcPct val="15000"/>
+            </a:spcAft>
+            <a:buChar char="••"/>
+          </a:pPr>
+          <a:r>
+            <a:rPr lang="es-ES" sz="1200" kern="1200" smtClean="0"/>
+            <a:t>SOAR</a:t>
+          </a:r>
+          <a:endParaRPr lang="es-ES" sz="1200" kern="1200"/>
+        </a:p>
+      </dsp:txBody>
+      <dsp:txXfrm>
+        <a:off x="2507585" y="2247729"/>
+        <a:ext cx="1481220" cy="1481220"/>
+      </dsp:txXfrm>
+    </dsp:sp>
   </dsp:spTree>
 </dsp:drawing>
 </file>
@@ -5046,6 +5465,663 @@
       <dsp:cNvGrpSpPr/>
     </dsp:nvGrpSpPr>
     <dsp:grpSpPr/>
+    <dsp:sp modelId="{53211D46-8F75-4404-9A56-268E07D5210C}">
+      <dsp:nvSpPr>
+        <dsp:cNvPr id="0" name=""/>
+        <dsp:cNvSpPr/>
+      </dsp:nvSpPr>
+      <dsp:spPr>
+        <a:xfrm>
+          <a:off x="-4758306" y="-729335"/>
+          <a:ext cx="5667601" cy="5667601"/>
+        </a:xfrm>
+        <a:prstGeom prst="blockArc">
+          <a:avLst>
+            <a:gd name="adj1" fmla="val 18900000"/>
+            <a:gd name="adj2" fmla="val 2700000"/>
+            <a:gd name="adj3" fmla="val 381"/>
+          </a:avLst>
+        </a:prstGeom>
+        <a:noFill/>
+        <a:ln w="15875" cap="rnd" cmpd="sng" algn="ctr">
+          <a:solidFill>
+            <a:schemeClr val="accent4">
+              <a:hueOff val="0"/>
+              <a:satOff val="0"/>
+              <a:lumOff val="0"/>
+              <a:alphaOff val="0"/>
+            </a:schemeClr>
+          </a:solidFill>
+          <a:prstDash val="solid"/>
+        </a:ln>
+        <a:effectLst/>
+        <a:scene3d>
+          <a:camera prst="orthographicFront">
+            <a:rot lat="0" lon="0" rev="0"/>
+          </a:camera>
+          <a:lightRig rig="contrasting" dir="t">
+            <a:rot lat="0" lon="0" rev="1200000"/>
+          </a:lightRig>
+        </a:scene3d>
+        <a:sp3d z="-110000"/>
+      </dsp:spPr>
+      <dsp:style>
+        <a:lnRef idx="2">
+          <a:scrgbClr r="0" g="0" b="0"/>
+        </a:lnRef>
+        <a:fillRef idx="0">
+          <a:scrgbClr r="0" g="0" b="0"/>
+        </a:fillRef>
+        <a:effectRef idx="0">
+          <a:scrgbClr r="0" g="0" b="0"/>
+        </a:effectRef>
+        <a:fontRef idx="minor"/>
+      </dsp:style>
+    </dsp:sp>
+    <dsp:sp modelId="{91749FAE-9EFA-4509-B513-373B1ECA31CE}">
+      <dsp:nvSpPr>
+        <dsp:cNvPr id="0" name=""/>
+        <dsp:cNvSpPr/>
+      </dsp:nvSpPr>
+      <dsp:spPr>
+        <a:xfrm>
+          <a:off x="476216" y="323582"/>
+          <a:ext cx="3258844" cy="647501"/>
+        </a:xfrm>
+        <a:prstGeom prst="rect">
+          <a:avLst/>
+        </a:prstGeom>
+        <a:solidFill>
+          <a:schemeClr val="accent3">
+            <a:hueOff val="0"/>
+            <a:satOff val="0"/>
+            <a:lumOff val="0"/>
+            <a:alphaOff val="0"/>
+          </a:schemeClr>
+        </a:solidFill>
+        <a:ln>
+          <a:noFill/>
+        </a:ln>
+        <a:effectLst/>
+        <a:scene3d>
+          <a:camera prst="orthographicFront">
+            <a:rot lat="0" lon="0" rev="0"/>
+          </a:camera>
+          <a:lightRig rig="contrasting" dir="t">
+            <a:rot lat="0" lon="0" rev="1200000"/>
+          </a:lightRig>
+        </a:scene3d>
+        <a:sp3d contourW="19050" prstMaterial="metal">
+          <a:bevelT w="88900" h="203200"/>
+          <a:bevelB w="165100" h="254000"/>
+        </a:sp3d>
+      </dsp:spPr>
+      <dsp:style>
+        <a:lnRef idx="0">
+          <a:scrgbClr r="0" g="0" b="0"/>
+        </a:lnRef>
+        <a:fillRef idx="1">
+          <a:scrgbClr r="0" g="0" b="0"/>
+        </a:fillRef>
+        <a:effectRef idx="2">
+          <a:scrgbClr r="0" g="0" b="0"/>
+        </a:effectRef>
+        <a:fontRef idx="minor">
+          <a:schemeClr val="lt1"/>
+        </a:fontRef>
+      </dsp:style>
+      <dsp:txBody>
+        <a:bodyPr spcFirstLastPara="0" vert="horz" wrap="square" lIns="513955" tIns="45720" rIns="45720" bIns="45720" numCol="1" spcCol="1270" anchor="t" anchorCtr="0">
+          <a:noAutofit/>
+        </a:bodyPr>
+        <a:lstStyle/>
+        <a:p>
+          <a:pPr lvl="0" algn="l" defTabSz="800100" rtl="0">
+            <a:lnSpc>
+              <a:spcPct val="90000"/>
+            </a:lnSpc>
+            <a:spcBef>
+              <a:spcPct val="0"/>
+            </a:spcBef>
+            <a:spcAft>
+              <a:spcPct val="35000"/>
+            </a:spcAft>
+          </a:pPr>
+          <a:r>
+            <a:rPr lang="es-ES" sz="1800" kern="1200" smtClean="0"/>
+            <a:t>Capa 3:</a:t>
+          </a:r>
+          <a:endParaRPr lang="es-ES" sz="1800" kern="1200"/>
+        </a:p>
+        <a:p>
+          <a:pPr marL="114300" lvl="1" indent="-114300" algn="l" defTabSz="622300" rtl="0">
+            <a:lnSpc>
+              <a:spcPct val="90000"/>
+            </a:lnSpc>
+            <a:spcBef>
+              <a:spcPct val="0"/>
+            </a:spcBef>
+            <a:spcAft>
+              <a:spcPct val="15000"/>
+            </a:spcAft>
+            <a:buChar char="••"/>
+          </a:pPr>
+          <a:r>
+            <a:rPr lang="es-ES" sz="1400" kern="1200" smtClean="0"/>
+            <a:t>Táctica</a:t>
+          </a:r>
+          <a:endParaRPr lang="es-ES" sz="1400" kern="1200"/>
+        </a:p>
+      </dsp:txBody>
+      <dsp:txXfrm>
+        <a:off x="476216" y="323582"/>
+        <a:ext cx="3258844" cy="647501"/>
+      </dsp:txXfrm>
+    </dsp:sp>
+    <dsp:sp modelId="{56021820-F983-4F1B-8D9B-B302625F78D9}">
+      <dsp:nvSpPr>
+        <dsp:cNvPr id="0" name=""/>
+        <dsp:cNvSpPr/>
+      </dsp:nvSpPr>
+      <dsp:spPr>
+        <a:xfrm>
+          <a:off x="71528" y="242644"/>
+          <a:ext cx="809377" cy="809377"/>
+        </a:xfrm>
+        <a:prstGeom prst="ellipse">
+          <a:avLst/>
+        </a:prstGeom>
+        <a:solidFill>
+          <a:schemeClr val="lt1">
+            <a:hueOff val="0"/>
+            <a:satOff val="0"/>
+            <a:lumOff val="0"/>
+            <a:alphaOff val="0"/>
+          </a:schemeClr>
+        </a:solidFill>
+        <a:ln>
+          <a:noFill/>
+        </a:ln>
+        <a:effectLst/>
+        <a:scene3d>
+          <a:camera prst="orthographicFront">
+            <a:rot lat="0" lon="0" rev="0"/>
+          </a:camera>
+          <a:lightRig rig="contrasting" dir="t">
+            <a:rot lat="0" lon="0" rev="1200000"/>
+          </a:lightRig>
+        </a:scene3d>
+        <a:sp3d z="300000" contourW="12700" prstMaterial="flat">
+          <a:bevelT w="177800" h="254000"/>
+          <a:bevelB w="152400"/>
+        </a:sp3d>
+      </dsp:spPr>
+      <dsp:style>
+        <a:lnRef idx="0">
+          <a:scrgbClr r="0" g="0" b="0"/>
+        </a:lnRef>
+        <a:fillRef idx="1">
+          <a:scrgbClr r="0" g="0" b="0"/>
+        </a:fillRef>
+        <a:effectRef idx="0">
+          <a:scrgbClr r="0" g="0" b="0"/>
+        </a:effectRef>
+        <a:fontRef idx="minor"/>
+      </dsp:style>
+    </dsp:sp>
+    <dsp:sp modelId="{25C6E7E8-3C78-49E4-9388-A7C0E02DFEBA}">
+      <dsp:nvSpPr>
+        <dsp:cNvPr id="0" name=""/>
+        <dsp:cNvSpPr/>
+      </dsp:nvSpPr>
+      <dsp:spPr>
+        <a:xfrm>
+          <a:off x="847444" y="1295003"/>
+          <a:ext cx="2887617" cy="647501"/>
+        </a:xfrm>
+        <a:prstGeom prst="rect">
+          <a:avLst/>
+        </a:prstGeom>
+        <a:solidFill>
+          <a:schemeClr val="accent3">
+            <a:hueOff val="-844689"/>
+            <a:satOff val="5440"/>
+            <a:lumOff val="196"/>
+            <a:alphaOff val="0"/>
+          </a:schemeClr>
+        </a:solidFill>
+        <a:ln>
+          <a:noFill/>
+        </a:ln>
+        <a:effectLst/>
+        <a:scene3d>
+          <a:camera prst="orthographicFront">
+            <a:rot lat="0" lon="0" rev="0"/>
+          </a:camera>
+          <a:lightRig rig="contrasting" dir="t">
+            <a:rot lat="0" lon="0" rev="1200000"/>
+          </a:lightRig>
+        </a:scene3d>
+        <a:sp3d contourW="19050" prstMaterial="metal">
+          <a:bevelT w="88900" h="203200"/>
+          <a:bevelB w="165100" h="254000"/>
+        </a:sp3d>
+      </dsp:spPr>
+      <dsp:style>
+        <a:lnRef idx="0">
+          <a:scrgbClr r="0" g="0" b="0"/>
+        </a:lnRef>
+        <a:fillRef idx="1">
+          <a:scrgbClr r="0" g="0" b="0"/>
+        </a:fillRef>
+        <a:effectRef idx="2">
+          <a:scrgbClr r="0" g="0" b="0"/>
+        </a:effectRef>
+        <a:fontRef idx="minor">
+          <a:schemeClr val="lt1"/>
+        </a:fontRef>
+      </dsp:style>
+      <dsp:txBody>
+        <a:bodyPr spcFirstLastPara="0" vert="horz" wrap="square" lIns="513955" tIns="45720" rIns="45720" bIns="45720" numCol="1" spcCol="1270" anchor="t" anchorCtr="0">
+          <a:noAutofit/>
+        </a:bodyPr>
+        <a:lstStyle/>
+        <a:p>
+          <a:pPr lvl="0" algn="l" defTabSz="800100" rtl="0">
+            <a:lnSpc>
+              <a:spcPct val="90000"/>
+            </a:lnSpc>
+            <a:spcBef>
+              <a:spcPct val="0"/>
+            </a:spcBef>
+            <a:spcAft>
+              <a:spcPct val="35000"/>
+            </a:spcAft>
+          </a:pPr>
+          <a:r>
+            <a:rPr lang="es-ES" sz="1800" kern="1200" smtClean="0"/>
+            <a:t>Capa 2:</a:t>
+          </a:r>
+          <a:endParaRPr lang="es-ES" sz="1800" kern="1200"/>
+        </a:p>
+        <a:p>
+          <a:pPr marL="114300" lvl="1" indent="-114300" algn="l" defTabSz="622300" rtl="0">
+            <a:lnSpc>
+              <a:spcPct val="90000"/>
+            </a:lnSpc>
+            <a:spcBef>
+              <a:spcPct val="0"/>
+            </a:spcBef>
+            <a:spcAft>
+              <a:spcPct val="15000"/>
+            </a:spcAft>
+            <a:buChar char="••"/>
+          </a:pPr>
+          <a:r>
+            <a:rPr lang="es-ES" sz="1400" kern="1200" smtClean="0"/>
+            <a:t>Comportamiento</a:t>
+          </a:r>
+          <a:endParaRPr lang="es-ES" sz="1400" kern="1200"/>
+        </a:p>
+      </dsp:txBody>
+      <dsp:txXfrm>
+        <a:off x="847444" y="1295003"/>
+        <a:ext cx="2887617" cy="647501"/>
+      </dsp:txXfrm>
+    </dsp:sp>
+    <dsp:sp modelId="{30BA0E05-B6E8-4737-8DBB-B6DB436BB502}">
+      <dsp:nvSpPr>
+        <dsp:cNvPr id="0" name=""/>
+        <dsp:cNvSpPr/>
+      </dsp:nvSpPr>
+      <dsp:spPr>
+        <a:xfrm>
+          <a:off x="442755" y="1214065"/>
+          <a:ext cx="809377" cy="809377"/>
+        </a:xfrm>
+        <a:prstGeom prst="ellipse">
+          <a:avLst/>
+        </a:prstGeom>
+        <a:solidFill>
+          <a:schemeClr val="lt1">
+            <a:hueOff val="0"/>
+            <a:satOff val="0"/>
+            <a:lumOff val="0"/>
+            <a:alphaOff val="0"/>
+          </a:schemeClr>
+        </a:solidFill>
+        <a:ln>
+          <a:noFill/>
+        </a:ln>
+        <a:effectLst/>
+        <a:scene3d>
+          <a:camera prst="orthographicFront">
+            <a:rot lat="0" lon="0" rev="0"/>
+          </a:camera>
+          <a:lightRig rig="contrasting" dir="t">
+            <a:rot lat="0" lon="0" rev="1200000"/>
+          </a:lightRig>
+        </a:scene3d>
+        <a:sp3d z="300000" contourW="12700" prstMaterial="flat">
+          <a:bevelT w="177800" h="254000"/>
+          <a:bevelB w="152400"/>
+        </a:sp3d>
+      </dsp:spPr>
+      <dsp:style>
+        <a:lnRef idx="0">
+          <a:scrgbClr r="0" g="0" b="0"/>
+        </a:lnRef>
+        <a:fillRef idx="1">
+          <a:scrgbClr r="0" g="0" b="0"/>
+        </a:fillRef>
+        <a:effectRef idx="0">
+          <a:scrgbClr r="0" g="0" b="0"/>
+        </a:effectRef>
+        <a:fontRef idx="minor"/>
+      </dsp:style>
+    </dsp:sp>
+    <dsp:sp modelId="{17C10DF2-2E8C-406C-969D-03B9FFA4D3B1}">
+      <dsp:nvSpPr>
+        <dsp:cNvPr id="0" name=""/>
+        <dsp:cNvSpPr/>
+      </dsp:nvSpPr>
+      <dsp:spPr>
+        <a:xfrm>
+          <a:off x="847444" y="2266424"/>
+          <a:ext cx="2887617" cy="647501"/>
+        </a:xfrm>
+        <a:prstGeom prst="rect">
+          <a:avLst/>
+        </a:prstGeom>
+        <a:solidFill>
+          <a:schemeClr val="accent3">
+            <a:hueOff val="-1689378"/>
+            <a:satOff val="10879"/>
+            <a:lumOff val="392"/>
+            <a:alphaOff val="0"/>
+          </a:schemeClr>
+        </a:solidFill>
+        <a:ln>
+          <a:noFill/>
+        </a:ln>
+        <a:effectLst/>
+        <a:scene3d>
+          <a:camera prst="orthographicFront">
+            <a:rot lat="0" lon="0" rev="0"/>
+          </a:camera>
+          <a:lightRig rig="contrasting" dir="t">
+            <a:rot lat="0" lon="0" rev="1200000"/>
+          </a:lightRig>
+        </a:scene3d>
+        <a:sp3d contourW="19050" prstMaterial="metal">
+          <a:bevelT w="88900" h="203200"/>
+          <a:bevelB w="165100" h="254000"/>
+        </a:sp3d>
+      </dsp:spPr>
+      <dsp:style>
+        <a:lnRef idx="0">
+          <a:scrgbClr r="0" g="0" b="0"/>
+        </a:lnRef>
+        <a:fillRef idx="1">
+          <a:scrgbClr r="0" g="0" b="0"/>
+        </a:fillRef>
+        <a:effectRef idx="2">
+          <a:scrgbClr r="0" g="0" b="0"/>
+        </a:effectRef>
+        <a:fontRef idx="minor">
+          <a:schemeClr val="lt1"/>
+        </a:fontRef>
+      </dsp:style>
+      <dsp:txBody>
+        <a:bodyPr spcFirstLastPara="0" vert="horz" wrap="square" lIns="513955" tIns="45720" rIns="45720" bIns="45720" numCol="1" spcCol="1270" anchor="t" anchorCtr="0">
+          <a:noAutofit/>
+        </a:bodyPr>
+        <a:lstStyle/>
+        <a:p>
+          <a:pPr lvl="0" algn="l" defTabSz="800100" rtl="0">
+            <a:lnSpc>
+              <a:spcPct val="90000"/>
+            </a:lnSpc>
+            <a:spcBef>
+              <a:spcPct val="0"/>
+            </a:spcBef>
+            <a:spcAft>
+              <a:spcPct val="35000"/>
+            </a:spcAft>
+          </a:pPr>
+          <a:r>
+            <a:rPr lang="es-ES" sz="1800" kern="1200" smtClean="0"/>
+            <a:t>Capa 1:</a:t>
+          </a:r>
+          <a:endParaRPr lang="es-ES" sz="1800" kern="1200"/>
+        </a:p>
+        <a:p>
+          <a:pPr marL="114300" lvl="1" indent="-114300" algn="l" defTabSz="622300" rtl="0">
+            <a:lnSpc>
+              <a:spcPct val="90000"/>
+            </a:lnSpc>
+            <a:spcBef>
+              <a:spcPct val="0"/>
+            </a:spcBef>
+            <a:spcAft>
+              <a:spcPct val="15000"/>
+            </a:spcAft>
+            <a:buChar char="••"/>
+          </a:pPr>
+          <a:r>
+            <a:rPr lang="es-ES" sz="1400" kern="1200" smtClean="0"/>
+            <a:t>Acción</a:t>
+          </a:r>
+          <a:endParaRPr lang="es-ES" sz="1400" kern="1200"/>
+        </a:p>
+      </dsp:txBody>
+      <dsp:txXfrm>
+        <a:off x="847444" y="2266424"/>
+        <a:ext cx="2887617" cy="647501"/>
+      </dsp:txXfrm>
+    </dsp:sp>
+    <dsp:sp modelId="{C61C0FC6-90FB-4A92-A7C4-A1BA576B139F}">
+      <dsp:nvSpPr>
+        <dsp:cNvPr id="0" name=""/>
+        <dsp:cNvSpPr/>
+      </dsp:nvSpPr>
+      <dsp:spPr>
+        <a:xfrm>
+          <a:off x="442755" y="2185486"/>
+          <a:ext cx="809377" cy="809377"/>
+        </a:xfrm>
+        <a:prstGeom prst="ellipse">
+          <a:avLst/>
+        </a:prstGeom>
+        <a:solidFill>
+          <a:schemeClr val="lt1">
+            <a:hueOff val="0"/>
+            <a:satOff val="0"/>
+            <a:lumOff val="0"/>
+            <a:alphaOff val="0"/>
+          </a:schemeClr>
+        </a:solidFill>
+        <a:ln>
+          <a:noFill/>
+        </a:ln>
+        <a:effectLst/>
+        <a:scene3d>
+          <a:camera prst="orthographicFront">
+            <a:rot lat="0" lon="0" rev="0"/>
+          </a:camera>
+          <a:lightRig rig="contrasting" dir="t">
+            <a:rot lat="0" lon="0" rev="1200000"/>
+          </a:lightRig>
+        </a:scene3d>
+        <a:sp3d z="300000" contourW="12700" prstMaterial="flat">
+          <a:bevelT w="177800" h="254000"/>
+          <a:bevelB w="152400"/>
+        </a:sp3d>
+      </dsp:spPr>
+      <dsp:style>
+        <a:lnRef idx="0">
+          <a:scrgbClr r="0" g="0" b="0"/>
+        </a:lnRef>
+        <a:fillRef idx="1">
+          <a:scrgbClr r="0" g="0" b="0"/>
+        </a:fillRef>
+        <a:effectRef idx="0">
+          <a:scrgbClr r="0" g="0" b="0"/>
+        </a:effectRef>
+        <a:fontRef idx="minor"/>
+      </dsp:style>
+    </dsp:sp>
+    <dsp:sp modelId="{8196B8AB-3C36-4A50-8027-7AE6FEE656EC}">
+      <dsp:nvSpPr>
+        <dsp:cNvPr id="0" name=""/>
+        <dsp:cNvSpPr/>
+      </dsp:nvSpPr>
+      <dsp:spPr>
+        <a:xfrm>
+          <a:off x="476216" y="3237845"/>
+          <a:ext cx="3258844" cy="647501"/>
+        </a:xfrm>
+        <a:prstGeom prst="rect">
+          <a:avLst/>
+        </a:prstGeom>
+        <a:solidFill>
+          <a:schemeClr val="accent3">
+            <a:hueOff val="-2534067"/>
+            <a:satOff val="16319"/>
+            <a:lumOff val="588"/>
+            <a:alphaOff val="0"/>
+          </a:schemeClr>
+        </a:solidFill>
+        <a:ln>
+          <a:noFill/>
+        </a:ln>
+        <a:effectLst/>
+        <a:scene3d>
+          <a:camera prst="orthographicFront">
+            <a:rot lat="0" lon="0" rev="0"/>
+          </a:camera>
+          <a:lightRig rig="contrasting" dir="t">
+            <a:rot lat="0" lon="0" rev="1200000"/>
+          </a:lightRig>
+        </a:scene3d>
+        <a:sp3d contourW="19050" prstMaterial="metal">
+          <a:bevelT w="88900" h="203200"/>
+          <a:bevelB w="165100" h="254000"/>
+        </a:sp3d>
+      </dsp:spPr>
+      <dsp:style>
+        <a:lnRef idx="0">
+          <a:scrgbClr r="0" g="0" b="0"/>
+        </a:lnRef>
+        <a:fillRef idx="1">
+          <a:scrgbClr r="0" g="0" b="0"/>
+        </a:fillRef>
+        <a:effectRef idx="2">
+          <a:scrgbClr r="0" g="0" b="0"/>
+        </a:effectRef>
+        <a:fontRef idx="minor">
+          <a:schemeClr val="lt1"/>
+        </a:fontRef>
+      </dsp:style>
+      <dsp:txBody>
+        <a:bodyPr spcFirstLastPara="0" vert="horz" wrap="square" lIns="513955" tIns="45720" rIns="45720" bIns="45720" numCol="1" spcCol="1270" anchor="t" anchorCtr="0">
+          <a:noAutofit/>
+        </a:bodyPr>
+        <a:lstStyle/>
+        <a:p>
+          <a:pPr lvl="0" algn="l" defTabSz="800100" rtl="0">
+            <a:lnSpc>
+              <a:spcPct val="90000"/>
+            </a:lnSpc>
+            <a:spcBef>
+              <a:spcPct val="0"/>
+            </a:spcBef>
+            <a:spcAft>
+              <a:spcPct val="35000"/>
+            </a:spcAft>
+          </a:pPr>
+          <a:r>
+            <a:rPr lang="es-ES" sz="1800" kern="1200" smtClean="0"/>
+            <a:t>Capa 0:</a:t>
+          </a:r>
+          <a:endParaRPr lang="es-ES" sz="1800" kern="1200"/>
+        </a:p>
+        <a:p>
+          <a:pPr marL="114300" lvl="1" indent="-114300" algn="l" defTabSz="622300" rtl="0">
+            <a:lnSpc>
+              <a:spcPct val="90000"/>
+            </a:lnSpc>
+            <a:spcBef>
+              <a:spcPct val="0"/>
+            </a:spcBef>
+            <a:spcAft>
+              <a:spcPct val="15000"/>
+            </a:spcAft>
+            <a:buChar char="••"/>
+          </a:pPr>
+          <a:r>
+            <a:rPr lang="es-ES" sz="1400" kern="1200" smtClean="0"/>
+            <a:t>Movimiento</a:t>
+          </a:r>
+          <a:endParaRPr lang="es-ES" sz="1400" kern="1200"/>
+        </a:p>
+      </dsp:txBody>
+      <dsp:txXfrm>
+        <a:off x="476216" y="3237845"/>
+        <a:ext cx="3258844" cy="647501"/>
+      </dsp:txXfrm>
+    </dsp:sp>
+    <dsp:sp modelId="{C628C687-C224-420A-AE67-30D836A935FE}">
+      <dsp:nvSpPr>
+        <dsp:cNvPr id="0" name=""/>
+        <dsp:cNvSpPr/>
+      </dsp:nvSpPr>
+      <dsp:spPr>
+        <a:xfrm>
+          <a:off x="71528" y="3156907"/>
+          <a:ext cx="809377" cy="809377"/>
+        </a:xfrm>
+        <a:prstGeom prst="ellipse">
+          <a:avLst/>
+        </a:prstGeom>
+        <a:solidFill>
+          <a:schemeClr val="lt1">
+            <a:hueOff val="0"/>
+            <a:satOff val="0"/>
+            <a:lumOff val="0"/>
+            <a:alphaOff val="0"/>
+          </a:schemeClr>
+        </a:solidFill>
+        <a:ln>
+          <a:noFill/>
+        </a:ln>
+        <a:effectLst/>
+        <a:scene3d>
+          <a:camera prst="orthographicFront">
+            <a:rot lat="0" lon="0" rev="0"/>
+          </a:camera>
+          <a:lightRig rig="contrasting" dir="t">
+            <a:rot lat="0" lon="0" rev="1200000"/>
+          </a:lightRig>
+        </a:scene3d>
+        <a:sp3d z="300000" contourW="12700" prstMaterial="flat">
+          <a:bevelT w="177800" h="254000"/>
+          <a:bevelB w="152400"/>
+        </a:sp3d>
+      </dsp:spPr>
+      <dsp:style>
+        <a:lnRef idx="0">
+          <a:scrgbClr r="0" g="0" b="0"/>
+        </a:lnRef>
+        <a:fillRef idx="1">
+          <a:scrgbClr r="0" g="0" b="0"/>
+        </a:fillRef>
+        <a:effectRef idx="0">
+          <a:scrgbClr r="0" g="0" b="0"/>
+        </a:effectRef>
+        <a:fontRef idx="minor"/>
+      </dsp:style>
+    </dsp:sp>
   </dsp:spTree>
 </dsp:drawing>
 </file>
@@ -5695,6 +6771,186 @@
       <dsp:cNvGrpSpPr/>
     </dsp:nvGrpSpPr>
     <dsp:grpSpPr/>
+    <dsp:sp modelId="{777AED72-2529-4B5B-BB1B-9DE38C2AA23D}">
+      <dsp:nvSpPr>
+        <dsp:cNvPr id="0" name=""/>
+        <dsp:cNvSpPr/>
+      </dsp:nvSpPr>
+      <dsp:spPr>
+        <a:xfrm>
+          <a:off x="0" y="538472"/>
+          <a:ext cx="3429000" cy="1904760"/>
+        </a:xfrm>
+        <a:prstGeom prst="roundRect">
+          <a:avLst/>
+        </a:prstGeom>
+        <a:blipFill rotWithShape="0">
+          <a:blip xmlns:r="http://schemas.openxmlformats.org/officeDocument/2006/relationships" r:embed="rId1">
+            <a:duotone>
+              <a:schemeClr val="accent1">
+                <a:hueOff val="0"/>
+                <a:satOff val="0"/>
+                <a:lumOff val="0"/>
+                <a:alphaOff val="0"/>
+                <a:tint val="98000"/>
+                <a:lumMod val="102000"/>
+              </a:schemeClr>
+              <a:schemeClr val="accent1">
+                <a:hueOff val="0"/>
+                <a:satOff val="0"/>
+                <a:lumOff val="0"/>
+                <a:alphaOff val="0"/>
+                <a:shade val="98000"/>
+                <a:lumMod val="98000"/>
+              </a:schemeClr>
+            </a:duotone>
+          </a:blip>
+          <a:tile tx="0" ty="0" sx="100000" sy="100000" flip="none" algn="tl"/>
+        </a:blipFill>
+        <a:ln>
+          <a:noFill/>
+        </a:ln>
+        <a:effectLst>
+          <a:innerShdw blurRad="63500" dist="25400" dir="13500000">
+            <a:srgbClr val="000000">
+              <a:alpha val="75000"/>
+            </a:srgbClr>
+          </a:innerShdw>
+        </a:effectLst>
+      </dsp:spPr>
+      <dsp:style>
+        <a:lnRef idx="0">
+          <a:scrgbClr r="0" g="0" b="0"/>
+        </a:lnRef>
+        <a:fillRef idx="3">
+          <a:scrgbClr r="0" g="0" b="0"/>
+        </a:fillRef>
+        <a:effectRef idx="3">
+          <a:scrgbClr r="0" g="0" b="0"/>
+        </a:effectRef>
+        <a:fontRef idx="minor">
+          <a:schemeClr val="lt1"/>
+        </a:fontRef>
+      </dsp:style>
+      <dsp:txBody>
+        <a:bodyPr spcFirstLastPara="0" vert="horz" wrap="square" lIns="83820" tIns="83820" rIns="83820" bIns="83820" numCol="1" spcCol="1270" anchor="ctr" anchorCtr="0">
+          <a:noAutofit/>
+        </a:bodyPr>
+        <a:lstStyle/>
+        <a:p>
+          <a:pPr lvl="0" algn="l" defTabSz="977900" rtl="0">
+            <a:lnSpc>
+              <a:spcPct val="90000"/>
+            </a:lnSpc>
+            <a:spcBef>
+              <a:spcPct val="0"/>
+            </a:spcBef>
+            <a:spcAft>
+              <a:spcPct val="35000"/>
+            </a:spcAft>
+          </a:pPr>
+          <a:r>
+            <a:rPr lang="en-US" sz="2200" kern="1200" smtClean="0"/>
+            <a:t>La versión original no permitía recordar en que estado estábamos previamente.</a:t>
+          </a:r>
+          <a:endParaRPr lang="es-ES" sz="2200" kern="1200"/>
+        </a:p>
+      </dsp:txBody>
+      <dsp:txXfrm>
+        <a:off x="92983" y="631455"/>
+        <a:ext cx="3243034" cy="1718794"/>
+      </dsp:txXfrm>
+    </dsp:sp>
+    <dsp:sp modelId="{D4191998-45D4-453B-9DB5-76D14E2574FD}">
+      <dsp:nvSpPr>
+        <dsp:cNvPr id="0" name=""/>
+        <dsp:cNvSpPr/>
+      </dsp:nvSpPr>
+      <dsp:spPr>
+        <a:xfrm>
+          <a:off x="0" y="2506592"/>
+          <a:ext cx="3429000" cy="1904760"/>
+        </a:xfrm>
+        <a:prstGeom prst="roundRect">
+          <a:avLst/>
+        </a:prstGeom>
+        <a:blipFill rotWithShape="0">
+          <a:blip xmlns:r="http://schemas.openxmlformats.org/officeDocument/2006/relationships" r:embed="rId1">
+            <a:duotone>
+              <a:schemeClr val="accent1">
+                <a:hueOff val="0"/>
+                <a:satOff val="0"/>
+                <a:lumOff val="0"/>
+                <a:alphaOff val="0"/>
+                <a:tint val="98000"/>
+                <a:lumMod val="102000"/>
+              </a:schemeClr>
+              <a:schemeClr val="accent1">
+                <a:hueOff val="0"/>
+                <a:satOff val="0"/>
+                <a:lumOff val="0"/>
+                <a:alphaOff val="0"/>
+                <a:shade val="98000"/>
+                <a:lumMod val="98000"/>
+              </a:schemeClr>
+            </a:duotone>
+          </a:blip>
+          <a:tile tx="0" ty="0" sx="100000" sy="100000" flip="none" algn="tl"/>
+        </a:blipFill>
+        <a:ln>
+          <a:noFill/>
+        </a:ln>
+        <a:effectLst>
+          <a:innerShdw blurRad="63500" dist="25400" dir="13500000">
+            <a:srgbClr val="000000">
+              <a:alpha val="75000"/>
+            </a:srgbClr>
+          </a:innerShdw>
+        </a:effectLst>
+      </dsp:spPr>
+      <dsp:style>
+        <a:lnRef idx="0">
+          <a:scrgbClr r="0" g="0" b="0"/>
+        </a:lnRef>
+        <a:fillRef idx="3">
+          <a:scrgbClr r="0" g="0" b="0"/>
+        </a:fillRef>
+        <a:effectRef idx="3">
+          <a:scrgbClr r="0" g="0" b="0"/>
+        </a:effectRef>
+        <a:fontRef idx="minor">
+          <a:schemeClr val="lt1"/>
+        </a:fontRef>
+      </dsp:style>
+      <dsp:txBody>
+        <a:bodyPr spcFirstLastPara="0" vert="horz" wrap="square" lIns="83820" tIns="83820" rIns="83820" bIns="83820" numCol="1" spcCol="1270" anchor="ctr" anchorCtr="0">
+          <a:noAutofit/>
+        </a:bodyPr>
+        <a:lstStyle/>
+        <a:p>
+          <a:pPr lvl="0" algn="l" defTabSz="977900" rtl="0">
+            <a:lnSpc>
+              <a:spcPct val="90000"/>
+            </a:lnSpc>
+            <a:spcBef>
+              <a:spcPct val="0"/>
+            </a:spcBef>
+            <a:spcAft>
+              <a:spcPct val="35000"/>
+            </a:spcAft>
+          </a:pPr>
+          <a:r>
+            <a:rPr lang="en-US" sz="2200" kern="1200" smtClean="0"/>
+            <a:t>Una solución es añadir un estado para recordar si habíamos escuchado un ruido o no. Antes de atacar.</a:t>
+          </a:r>
+          <a:endParaRPr lang="es-ES" sz="2200" kern="1200"/>
+        </a:p>
+      </dsp:txBody>
+      <dsp:txXfrm>
+        <a:off x="92983" y="2599575"/>
+        <a:ext cx="3243034" cy="1718794"/>
+      </dsp:txXfrm>
+    </dsp:sp>
   </dsp:spTree>
 </dsp:drawing>
 </file>
@@ -12402,7 +13658,7 @@
           <a:p>
             <a:fld id="{EE4FFB79-075C-4F92-BC9D-163E02DFC611}" type="datetimeFigureOut">
               <a:rPr lang="es-ES" smtClean="0"/>
-              <a:t>28/04/2016</a:t>
+              <a:t>29/04/2016</a:t>
             </a:fld>
             <a:endParaRPr lang="es-ES"/>
           </a:p>
@@ -14606,7 +15862,7 @@
           <a:effectLst/>
           <a:extLst>
             <a:ext uri="{91240B29-F687-4f45-9708-019B960494DF}">
-              <a14:hiddenLine xmlns="" xmlns:a14="http://schemas.microsoft.com/office/drawing/2010/main" w="9525">
+              <a14:hiddenLine xmlns:a14="http://schemas.microsoft.com/office/drawing/2010/main" xmlns="" w="9525">
                 <a:solidFill>
                   <a:srgbClr val="000000"/>
                 </a:solidFill>
@@ -14799,7 +16055,7 @@
             <a:fld id="{B61BEF0D-F0BB-DE4B-95CE-6DB70DBA9567}" type="datetimeFigureOut">
               <a:rPr lang="en-US" smtClean="0"/>
               <a:pPr/>
-              <a:t>4/28/2016</a:t>
+              <a:t>4/29/2016</a:t>
             </a:fld>
             <a:endParaRPr lang="en-US" dirty="0"/>
           </a:p>
@@ -15118,7 +16374,7 @@
             <a:fld id="{B61BEF0D-F0BB-DE4B-95CE-6DB70DBA9567}" type="datetimeFigureOut">
               <a:rPr lang="en-US" smtClean="0"/>
               <a:pPr/>
-              <a:t>4/28/2016</a:t>
+              <a:t>4/29/2016</a:t>
             </a:fld>
             <a:endParaRPr lang="en-US" dirty="0"/>
           </a:p>
@@ -15607,7 +16863,7 @@
             <a:fld id="{B61BEF0D-F0BB-DE4B-95CE-6DB70DBA9567}" type="datetimeFigureOut">
               <a:rPr lang="en-US" smtClean="0"/>
               <a:pPr/>
-              <a:t>4/28/2016</a:t>
+              <a:t>4/29/2016</a:t>
             </a:fld>
             <a:endParaRPr lang="en-US" dirty="0"/>
           </a:p>
@@ -15977,7 +17233,7 @@
             <a:fld id="{B61BEF0D-F0BB-DE4B-95CE-6DB70DBA9567}" type="datetimeFigureOut">
               <a:rPr lang="en-US" smtClean="0"/>
               <a:pPr/>
-              <a:t>4/28/2016</a:t>
+              <a:t>4/29/2016</a:t>
             </a:fld>
             <a:endParaRPr lang="en-US" dirty="0"/>
           </a:p>
@@ -16132,7 +17388,7 @@
           <a:ln/>
           <a:extLst>
             <a:ext uri="{91240B29-F687-4f45-9708-019B960494DF}">
-              <a14:hiddenLine xmlns="" xmlns:a14="http://schemas.microsoft.com/office/drawing/2010/main" w="9525">
+              <a14:hiddenLine xmlns:a14="http://schemas.microsoft.com/office/drawing/2010/main" xmlns="" w="9525">
                 <a:solidFill>
                   <a:srgbClr val="000000"/>
                 </a:solidFill>
@@ -16251,7 +17507,7 @@
             <a:fld id="{B61BEF0D-F0BB-DE4B-95CE-6DB70DBA9567}" type="datetimeFigureOut">
               <a:rPr lang="en-US" smtClean="0"/>
               <a:pPr/>
-              <a:t>4/28/2016</a:t>
+              <a:t>4/29/2016</a:t>
             </a:fld>
             <a:endParaRPr lang="en-US" dirty="0"/>
           </a:p>
@@ -16408,7 +17664,7 @@
           <a:ln/>
           <a:extLst>
             <a:ext uri="{91240B29-F687-4f45-9708-019B960494DF}">
-              <a14:hiddenLine xmlns="" xmlns:a14="http://schemas.microsoft.com/office/drawing/2010/main" w="9525">
+              <a14:hiddenLine xmlns:a14="http://schemas.microsoft.com/office/drawing/2010/main" xmlns="" w="9525">
                 <a:solidFill>
                   <a:srgbClr val="000000"/>
                 </a:solidFill>
@@ -16537,7 +17793,7 @@
             <a:fld id="{B61BEF0D-F0BB-DE4B-95CE-6DB70DBA9567}" type="datetimeFigureOut">
               <a:rPr lang="en-US" smtClean="0"/>
               <a:pPr/>
-              <a:t>4/28/2016</a:t>
+              <a:t>4/29/2016</a:t>
             </a:fld>
             <a:endParaRPr lang="en-US" dirty="0"/>
           </a:p>
@@ -16920,7 +18176,7 @@
           <a:ln/>
           <a:extLst>
             <a:ext uri="{91240B29-F687-4f45-9708-019B960494DF}">
-              <a14:hiddenLine xmlns="" xmlns:a14="http://schemas.microsoft.com/office/drawing/2010/main" w="9525">
+              <a14:hiddenLine xmlns:a14="http://schemas.microsoft.com/office/drawing/2010/main" xmlns="" w="9525">
                 <a:solidFill>
                   <a:srgbClr val="000000"/>
                 </a:solidFill>
@@ -17049,7 +18305,7 @@
             <a:fld id="{B61BEF0D-F0BB-DE4B-95CE-6DB70DBA9567}" type="datetimeFigureOut">
               <a:rPr lang="en-US" smtClean="0"/>
               <a:pPr/>
-              <a:t>4/28/2016</a:t>
+              <a:t>4/29/2016</a:t>
             </a:fld>
             <a:endParaRPr lang="en-US" dirty="0"/>
           </a:p>
@@ -17394,7 +18650,7 @@
             <a:fld id="{B61BEF0D-F0BB-DE4B-95CE-6DB70DBA9567}" type="datetimeFigureOut">
               <a:rPr lang="en-US" smtClean="0"/>
               <a:pPr/>
-              <a:t>4/28/2016</a:t>
+              <a:t>4/29/2016</a:t>
             </a:fld>
             <a:endParaRPr lang="en-US" dirty="0"/>
           </a:p>
@@ -17549,7 +18805,7 @@
           <a:ln/>
           <a:extLst>
             <a:ext uri="{91240B29-F687-4f45-9708-019B960494DF}">
-              <a14:hiddenLine xmlns="" xmlns:a14="http://schemas.microsoft.com/office/drawing/2010/main" w="9525">
+              <a14:hiddenLine xmlns:a14="http://schemas.microsoft.com/office/drawing/2010/main" xmlns="" w="9525">
                 <a:solidFill>
                   <a:srgbClr val="000000"/>
                 </a:solidFill>
@@ -17734,7 +18990,7 @@
             <a:fld id="{B61BEF0D-F0BB-DE4B-95CE-6DB70DBA9567}" type="datetimeFigureOut">
               <a:rPr lang="en-US" smtClean="0"/>
               <a:pPr/>
-              <a:t>4/28/2016</a:t>
+              <a:t>4/29/2016</a:t>
             </a:fld>
             <a:endParaRPr lang="en-US" dirty="0"/>
           </a:p>
@@ -17890,7 +19146,7 @@
           <a:ln/>
           <a:extLst>
             <a:ext uri="{91240B29-F687-4f45-9708-019B960494DF}">
-              <a14:hiddenLine xmlns="" xmlns:a14="http://schemas.microsoft.com/office/drawing/2010/main" w="9525">
+              <a14:hiddenLine xmlns:a14="http://schemas.microsoft.com/office/drawing/2010/main" xmlns="" w="9525">
                 <a:solidFill>
                   <a:srgbClr val="000000"/>
                 </a:solidFill>
@@ -18213,7 +19469,7 @@
             <a:fld id="{B61BEF0D-F0BB-DE4B-95CE-6DB70DBA9567}" type="datetimeFigureOut">
               <a:rPr lang="en-US" smtClean="0"/>
               <a:pPr/>
-              <a:t>4/28/2016</a:t>
+              <a:t>4/29/2016</a:t>
             </a:fld>
             <a:endParaRPr lang="en-US" dirty="0"/>
           </a:p>
@@ -18368,7 +19624,7 @@
           <a:ln/>
           <a:extLst>
             <a:ext uri="{91240B29-F687-4f45-9708-019B960494DF}">
-              <a14:hiddenLine xmlns="" xmlns:a14="http://schemas.microsoft.com/office/drawing/2010/main" w="9525">
+              <a14:hiddenLine xmlns:a14="http://schemas.microsoft.com/office/drawing/2010/main" xmlns="" w="9525">
                 <a:solidFill>
                   <a:srgbClr val="000000"/>
                 </a:solidFill>
@@ -18435,7 +19691,7 @@
             <a:fld id="{B61BEF0D-F0BB-DE4B-95CE-6DB70DBA9567}" type="datetimeFigureOut">
               <a:rPr lang="en-US" smtClean="0"/>
               <a:pPr/>
-              <a:t>4/28/2016</a:t>
+              <a:t>4/29/2016</a:t>
             </a:fld>
             <a:endParaRPr lang="en-US" dirty="0"/>
           </a:p>
@@ -18531,7 +19787,7 @@
             <a:fld id="{B61BEF0D-F0BB-DE4B-95CE-6DB70DBA9567}" type="datetimeFigureOut">
               <a:rPr lang="en-US" smtClean="0"/>
               <a:pPr/>
-              <a:t>4/28/2016</a:t>
+              <a:t>4/29/2016</a:t>
             </a:fld>
             <a:endParaRPr lang="en-US" dirty="0"/>
           </a:p>
@@ -18800,7 +20056,7 @@
           <a:ln/>
           <a:extLst>
             <a:ext uri="{91240B29-F687-4f45-9708-019B960494DF}">
-              <a14:hiddenLine xmlns="" xmlns:a14="http://schemas.microsoft.com/office/drawing/2010/main" w="9525">
+              <a14:hiddenLine xmlns:a14="http://schemas.microsoft.com/office/drawing/2010/main" xmlns="" w="9525">
                 <a:solidFill>
                   <a:srgbClr val="000000"/>
                 </a:solidFill>
@@ -19000,7 +20256,7 @@
             <a:fld id="{B61BEF0D-F0BB-DE4B-95CE-6DB70DBA9567}" type="datetimeFigureOut">
               <a:rPr lang="en-US" smtClean="0"/>
               <a:pPr/>
-              <a:t>4/28/2016</a:t>
+              <a:t>4/29/2016</a:t>
             </a:fld>
             <a:endParaRPr lang="en-US" dirty="0"/>
           </a:p>
@@ -19314,7 +20570,7 @@
             <a:fld id="{B61BEF0D-F0BB-DE4B-95CE-6DB70DBA9567}" type="datetimeFigureOut">
               <a:rPr lang="en-US" smtClean="0"/>
               <a:pPr/>
-              <a:t>4/28/2016</a:t>
+              <a:t>4/29/2016</a:t>
             </a:fld>
             <a:endParaRPr lang="en-US" dirty="0"/>
           </a:p>
@@ -19585,7 +20841,7 @@
             <a:fld id="{B61BEF0D-F0BB-DE4B-95CE-6DB70DBA9567}" type="datetimeFigureOut">
               <a:rPr lang="en-US" smtClean="0"/>
               <a:pPr/>
-              <a:t>4/28/2016</a:t>
+              <a:t>4/29/2016</a:t>
             </a:fld>
             <a:endParaRPr lang="en-US" dirty="0"/>
           </a:p>
@@ -20346,11 +21602,6 @@
               </a:rPr>
               <a:t>Las demás… depende. Algunas se agrupan, otras se eliminan.</a:t>
             </a:r>
-            <a:endParaRPr lang="es-ES" dirty="0">
-              <a:solidFill>
-                <a:schemeClr val="tx1"/>
-              </a:solidFill>
-            </a:endParaRPr>
           </a:p>
         </p:txBody>
       </p:sp>
@@ -20364,11 +21615,11 @@
   <p:clrMapOvr>
     <a:masterClrMapping/>
   </p:clrMapOvr>
-  <mc:AlternateContent xmlns:mc="http://schemas.openxmlformats.org/markup-compatibility/2006">
-    <mc:Choice xmlns:p14="http://schemas.microsoft.com/office/powerpoint/2010/main" Requires="p14">
+  <mc:AlternateContent xmlns:mc="http://schemas.openxmlformats.org/markup-compatibility/2006" xmlns:p14="http://schemas.microsoft.com/office/powerpoint/2010/main">
+    <mc:Choice Requires="p14">
       <p:transition spd="slow" p14:dur="2000"/>
     </mc:Choice>
-    <mc:Fallback>
+    <mc:Fallback xmlns="">
       <p:transition spd="slow"/>
     </mc:Fallback>
   </mc:AlternateContent>
@@ -20594,11 +21845,11 @@
   <p:clrMapOvr>
     <a:masterClrMapping/>
   </p:clrMapOvr>
-  <mc:AlternateContent xmlns:mc="http://schemas.openxmlformats.org/markup-compatibility/2006">
-    <mc:Choice xmlns:p14="http://schemas.microsoft.com/office/powerpoint/2010/main" Requires="p14">
+  <mc:AlternateContent xmlns:mc="http://schemas.openxmlformats.org/markup-compatibility/2006" xmlns:p14="http://schemas.microsoft.com/office/powerpoint/2010/main">
+    <mc:Choice Requires="p14">
       <p:transition spd="slow" p14:dur="2000"/>
     </mc:Choice>
-    <mc:Fallback>
+    <mc:Fallback xmlns="">
       <p:transition spd="slow"/>
     </mc:Fallback>
   </mc:AlternateContent>
@@ -20722,7 +21973,6 @@
               <a:rPr lang="es-ES" sz="1100" dirty="0"/>
               <a:t>Memoria</a:t>
             </a:r>
-            <a:endParaRPr lang="es-ES" sz="1100" dirty="0"/>
           </a:p>
         </p:txBody>
       </p:sp>
@@ -21050,7 +22300,6 @@
               <a:rPr lang="es-ES" dirty="0"/>
               <a:t>Interfaces</a:t>
             </a:r>
-            <a:endParaRPr lang="es-ES" dirty="0"/>
           </a:p>
         </p:txBody>
       </p:sp>
@@ -21105,11 +22354,11 @@
   <p:clrMapOvr>
     <a:masterClrMapping/>
   </p:clrMapOvr>
-  <mc:AlternateContent xmlns:mc="http://schemas.openxmlformats.org/markup-compatibility/2006">
-    <mc:Choice xmlns:p14="http://schemas.microsoft.com/office/powerpoint/2010/main" Requires="p14">
+  <mc:AlternateContent xmlns:mc="http://schemas.openxmlformats.org/markup-compatibility/2006" xmlns:p14="http://schemas.microsoft.com/office/powerpoint/2010/main">
+    <mc:Choice Requires="p14">
       <p:transition spd="slow" p14:dur="2000"/>
     </mc:Choice>
-    <mc:Fallback>
+    <mc:Fallback xmlns="">
       <p:transition spd="slow"/>
     </mc:Fallback>
   </mc:AlternateContent>
@@ -21566,14 +22815,21 @@
   <p:clrMapOvr>
     <a:masterClrMapping/>
   </p:clrMapOvr>
-  <mc:AlternateContent xmlns:mc="http://schemas.openxmlformats.org/markup-compatibility/2006">
-    <mc:Choice xmlns:p14="http://schemas.microsoft.com/office/powerpoint/2010/main" Requires="p14">
+  <mc:AlternateContent xmlns:mc="http://schemas.openxmlformats.org/markup-compatibility/2006" xmlns:p14="http://schemas.microsoft.com/office/powerpoint/2010/main">
+    <mc:Choice Requires="p14">
       <p:transition spd="slow" p14:dur="2000"/>
     </mc:Choice>
-    <mc:Fallback>
+    <mc:Fallback xmlns="">
       <p:transition spd="slow"/>
     </mc:Fallback>
   </mc:AlternateContent>
+  <p:timing>
+    <p:tnLst>
+      <p:par>
+        <p:cTn id="1" dur="indefinite" restart="never" nodeType="tmRoot"/>
+      </p:par>
+    </p:tnLst>
+  </p:timing>
 </p:sld>
 </file>
 
@@ -21753,7 +23009,6 @@
               <a:rPr lang="es-ES" dirty="0"/>
               <a:t>Navegación</a:t>
             </a:r>
-            <a:endParaRPr lang="es-ES" dirty="0"/>
           </a:p>
         </p:txBody>
       </p:sp>
@@ -21795,7 +23050,6 @@
               <a:rPr lang="es-ES" dirty="0"/>
               <a:t>Planificación</a:t>
             </a:r>
-            <a:endParaRPr lang="es-ES" dirty="0"/>
           </a:p>
         </p:txBody>
       </p:sp>
@@ -21809,11 +23063,11 @@
   <p:clrMapOvr>
     <a:masterClrMapping/>
   </p:clrMapOvr>
-  <mc:AlternateContent xmlns:mc="http://schemas.openxmlformats.org/markup-compatibility/2006">
-    <mc:Choice xmlns:p14="http://schemas.microsoft.com/office/powerpoint/2010/main" Requires="p14">
+  <mc:AlternateContent xmlns:mc="http://schemas.openxmlformats.org/markup-compatibility/2006" xmlns:p14="http://schemas.microsoft.com/office/powerpoint/2010/main">
+    <mc:Choice Requires="p14">
       <p:transition spd="slow" p14:dur="2000"/>
     </mc:Choice>
-    <mc:Fallback>
+    <mc:Fallback xmlns="">
       <p:transition spd="slow"/>
     </mc:Fallback>
   </mc:AlternateContent>
@@ -22050,14 +23304,21 @@
   <p:clrMapOvr>
     <a:masterClrMapping/>
   </p:clrMapOvr>
-  <mc:AlternateContent xmlns:mc="http://schemas.openxmlformats.org/markup-compatibility/2006">
-    <mc:Choice xmlns:p14="http://schemas.microsoft.com/office/powerpoint/2010/main" Requires="p14">
+  <mc:AlternateContent xmlns:mc="http://schemas.openxmlformats.org/markup-compatibility/2006" xmlns:p14="http://schemas.microsoft.com/office/powerpoint/2010/main">
+    <mc:Choice Requires="p14">
       <p:transition spd="slow" p14:dur="2000"/>
     </mc:Choice>
-    <mc:Fallback>
+    <mc:Fallback xmlns="">
       <p:transition spd="slow"/>
     </mc:Fallback>
   </mc:AlternateContent>
+  <p:timing>
+    <p:tnLst>
+      <p:par>
+        <p:cTn id="1" dur="indefinite" restart="never" nodeType="tmRoot"/>
+      </p:par>
+    </p:tnLst>
+  </p:timing>
 </p:sld>
 </file>
 
@@ -22185,14 +23446,21 @@
   <p:clrMapOvr>
     <a:masterClrMapping/>
   </p:clrMapOvr>
-  <mc:AlternateContent xmlns:mc="http://schemas.openxmlformats.org/markup-compatibility/2006">
-    <mc:Choice xmlns:p14="http://schemas.microsoft.com/office/powerpoint/2010/main" Requires="p14">
+  <mc:AlternateContent xmlns:mc="http://schemas.openxmlformats.org/markup-compatibility/2006" xmlns:p14="http://schemas.microsoft.com/office/powerpoint/2010/main">
+    <mc:Choice Requires="p14">
       <p:transition spd="slow" p14:dur="2000"/>
     </mc:Choice>
-    <mc:Fallback>
+    <mc:Fallback xmlns="">
       <p:transition spd="slow"/>
     </mc:Fallback>
   </mc:AlternateContent>
+  <p:timing>
+    <p:tnLst>
+      <p:par>
+        <p:cTn id="1" dur="indefinite" restart="never" nodeType="tmRoot"/>
+      </p:par>
+    </p:tnLst>
+  </p:timing>
 </p:sld>
 </file>
 
@@ -22269,6 +23537,13 @@
   <p:clrMapOvr>
     <a:masterClrMapping/>
   </p:clrMapOvr>
+  <p:timing>
+    <p:tnLst>
+      <p:par>
+        <p:cTn id="1" dur="indefinite" restart="never" nodeType="tmRoot"/>
+      </p:par>
+    </p:tnLst>
+  </p:timing>
 </p:sld>
 </file>
 
@@ -30828,8 +32103,8 @@
         </p:nvSpPr>
         <p:spPr bwMode="auto">
           <a:xfrm>
-            <a:off x="1828800" y="3733800"/>
-            <a:ext cx="4495800" cy="2514600"/>
+            <a:off x="520044" y="3427116"/>
+            <a:ext cx="5265901" cy="3046511"/>
           </a:xfrm>
           <a:prstGeom prst="rect">
             <a:avLst/>
@@ -30867,47 +32142,72 @@
               </a:spcBef>
             </a:pPr>
             <a:r>
-              <a:rPr lang="es-ES_tradnl" sz="1100" dirty="0" err="1">
+              <a:rPr lang="es-ES_tradnl" sz="1400" dirty="0" err="1" smtClean="0">
+                <a:solidFill>
+                  <a:schemeClr val="bg1"/>
+                </a:solidFill>
                 <a:latin typeface="Consolas" panose="020B0609020204030204" pitchFamily="49" charset="0"/>
                 <a:cs typeface="Consolas" panose="020B0609020204030204" pitchFamily="49" charset="0"/>
               </a:rPr>
               <a:t>template</a:t>
             </a:r>
             <a:r>
-              <a:rPr lang="es-ES_tradnl" sz="1100" dirty="0">
+              <a:rPr lang="es-ES_tradnl" sz="1400" dirty="0" smtClean="0">
+                <a:solidFill>
+                  <a:schemeClr val="bg1"/>
+                </a:solidFill>
                 <a:latin typeface="Consolas" panose="020B0609020204030204" pitchFamily="49" charset="0"/>
                 <a:cs typeface="Consolas" panose="020B0609020204030204" pitchFamily="49" charset="0"/>
               </a:rPr>
               <a:t> &lt;</a:t>
             </a:r>
             <a:r>
-              <a:rPr lang="es-ES_tradnl" sz="1100" dirty="0" err="1">
+              <a:rPr lang="es-ES_tradnl" sz="1400" dirty="0" err="1" smtClean="0">
+                <a:solidFill>
+                  <a:schemeClr val="bg1"/>
+                </a:solidFill>
                 <a:latin typeface="Consolas" panose="020B0609020204030204" pitchFamily="49" charset="0"/>
                 <a:cs typeface="Consolas" panose="020B0609020204030204" pitchFamily="49" charset="0"/>
               </a:rPr>
               <a:t>class</a:t>
             </a:r>
             <a:r>
-              <a:rPr lang="es-ES_tradnl" sz="1100" dirty="0">
+              <a:rPr lang="es-ES_tradnl" sz="1400" dirty="0" smtClean="0">
+                <a:solidFill>
+                  <a:schemeClr val="bg1"/>
+                </a:solidFill>
                 <a:latin typeface="Consolas" panose="020B0609020204030204" pitchFamily="49" charset="0"/>
                 <a:cs typeface="Consolas" panose="020B0609020204030204" pitchFamily="49" charset="0"/>
               </a:rPr>
               <a:t> </a:t>
             </a:r>
             <a:r>
-              <a:rPr lang="es-ES_tradnl" sz="1100" dirty="0" err="1">
+              <a:rPr lang="es-ES_tradnl" sz="1400" dirty="0" err="1" smtClean="0">
+                <a:solidFill>
+                  <a:schemeClr val="bg1"/>
+                </a:solidFill>
                 <a:latin typeface="Consolas" panose="020B0609020204030204" pitchFamily="49" charset="0"/>
                 <a:cs typeface="Consolas" panose="020B0609020204030204" pitchFamily="49" charset="0"/>
               </a:rPr>
               <a:t>game_element</a:t>
             </a:r>
             <a:r>
-              <a:rPr lang="es-ES_tradnl" sz="1100" dirty="0">
+              <a:rPr lang="es-ES_tradnl" sz="1400" dirty="0" smtClean="0">
+                <a:solidFill>
+                  <a:schemeClr val="bg1"/>
+                </a:solidFill>
                 <a:latin typeface="Consolas" panose="020B0609020204030204" pitchFamily="49" charset="0"/>
                 <a:cs typeface="Consolas" panose="020B0609020204030204" pitchFamily="49" charset="0"/>
               </a:rPr>
               <a:t>&gt;</a:t>
             </a:r>
+            <a:endParaRPr lang="es-ES_tradnl" sz="1400" dirty="0">
+              <a:solidFill>
+                <a:schemeClr val="bg1"/>
+              </a:solidFill>
+              <a:latin typeface="Consolas" panose="020B0609020204030204" pitchFamily="49" charset="0"/>
+              <a:cs typeface="Consolas" panose="020B0609020204030204" pitchFamily="49" charset="0"/>
+            </a:endParaRPr>
           </a:p>
           <a:p>
             <a:pPr marL="342900" indent="-342900">
@@ -30916,18 +32216,34 @@
               </a:spcBef>
             </a:pPr>
             <a:r>
-              <a:rPr lang="es-ES_tradnl" sz="1100" dirty="0" err="1">
+              <a:rPr lang="es-ES_tradnl" sz="1400" dirty="0" err="1" smtClean="0">
+                <a:solidFill>
+                  <a:schemeClr val="bg1"/>
+                </a:solidFill>
                 <a:latin typeface="Consolas" panose="020B0609020204030204" pitchFamily="49" charset="0"/>
                 <a:cs typeface="Consolas" panose="020B0609020204030204" pitchFamily="49" charset="0"/>
               </a:rPr>
               <a:t>class</a:t>
             </a:r>
             <a:r>
-              <a:rPr lang="es-ES_tradnl" sz="1100" dirty="0">
+              <a:rPr lang="es-ES_tradnl" sz="1400" dirty="0" smtClean="0">
+                <a:solidFill>
+                  <a:schemeClr val="bg1"/>
+                </a:solidFill>
                 <a:latin typeface="Consolas" panose="020B0609020204030204" pitchFamily="49" charset="0"/>
                 <a:cs typeface="Consolas" panose="020B0609020204030204" pitchFamily="49" charset="0"/>
               </a:rPr>
-              <a:t> State{</a:t>
+              <a:t> </a:t>
+            </a:r>
+            <a:r>
+              <a:rPr lang="es-ES_tradnl" sz="1400" dirty="0">
+                <a:solidFill>
+                  <a:schemeClr val="bg1"/>
+                </a:solidFill>
+                <a:latin typeface="Consolas" panose="020B0609020204030204" pitchFamily="49" charset="0"/>
+                <a:cs typeface="Consolas" panose="020B0609020204030204" pitchFamily="49" charset="0"/>
+              </a:rPr>
+              <a:t>State{</a:t>
             </a:r>
           </a:p>
           <a:p>
@@ -30937,21 +32253,30 @@
               </a:spcBef>
             </a:pPr>
             <a:r>
-              <a:rPr lang="es-ES_tradnl" sz="1100" dirty="0">
+              <a:rPr lang="es-ES_tradnl" sz="1400" dirty="0">
+                <a:solidFill>
+                  <a:schemeClr val="bg1"/>
+                </a:solidFill>
                 <a:latin typeface="Consolas" panose="020B0609020204030204" pitchFamily="49" charset="0"/>
                 <a:cs typeface="Consolas" panose="020B0609020204030204" pitchFamily="49" charset="0"/>
               </a:rPr>
               <a:t>	</a:t>
             </a:r>
             <a:r>
-              <a:rPr lang="es-ES_tradnl" sz="1100" dirty="0" err="1">
+              <a:rPr lang="es-ES_tradnl" sz="1400" dirty="0" err="1">
+                <a:solidFill>
+                  <a:schemeClr val="bg1"/>
+                </a:solidFill>
                 <a:latin typeface="Consolas" panose="020B0609020204030204" pitchFamily="49" charset="0"/>
                 <a:cs typeface="Consolas" panose="020B0609020204030204" pitchFamily="49" charset="0"/>
               </a:rPr>
               <a:t>public</a:t>
             </a:r>
             <a:r>
-              <a:rPr lang="es-ES_tradnl" sz="1100" dirty="0">
+              <a:rPr lang="es-ES_tradnl" sz="1400" dirty="0">
+                <a:solidFill>
+                  <a:schemeClr val="bg1"/>
+                </a:solidFill>
                 <a:latin typeface="Consolas" panose="020B0609020204030204" pitchFamily="49" charset="0"/>
                 <a:cs typeface="Consolas" panose="020B0609020204030204" pitchFamily="49" charset="0"/>
               </a:rPr>
@@ -30965,21 +32290,30 @@
               </a:spcBef>
             </a:pPr>
             <a:r>
-              <a:rPr lang="es-ES_tradnl" sz="1100" dirty="0">
+              <a:rPr lang="es-ES_tradnl" sz="1400" dirty="0">
+                <a:solidFill>
+                  <a:schemeClr val="bg1"/>
+                </a:solidFill>
                 <a:latin typeface="Consolas" panose="020B0609020204030204" pitchFamily="49" charset="0"/>
                 <a:cs typeface="Consolas" panose="020B0609020204030204" pitchFamily="49" charset="0"/>
               </a:rPr>
               <a:t>	virtual ~</a:t>
             </a:r>
             <a:r>
-              <a:rPr lang="es-ES_tradnl" sz="1100" dirty="0" err="1">
+              <a:rPr lang="es-ES_tradnl" sz="1400" dirty="0" err="1">
+                <a:solidFill>
+                  <a:schemeClr val="bg1"/>
+                </a:solidFill>
                 <a:latin typeface="Consolas" panose="020B0609020204030204" pitchFamily="49" charset="0"/>
                 <a:cs typeface="Consolas" panose="020B0609020204030204" pitchFamily="49" charset="0"/>
               </a:rPr>
               <a:t>State</a:t>
             </a:r>
             <a:r>
-              <a:rPr lang="es-ES_tradnl" sz="1100" dirty="0">
+              <a:rPr lang="es-ES_tradnl" sz="1400" dirty="0">
+                <a:solidFill>
+                  <a:schemeClr val="bg1"/>
+                </a:solidFill>
                 <a:latin typeface="Consolas" panose="020B0609020204030204" pitchFamily="49" charset="0"/>
                 <a:cs typeface="Consolas" panose="020B0609020204030204" pitchFamily="49" charset="0"/>
               </a:rPr>
@@ -30993,119 +32327,170 @@
               </a:spcBef>
             </a:pPr>
             <a:r>
-              <a:rPr lang="es-ES_tradnl" sz="1100" dirty="0">
+              <a:rPr lang="es-ES_tradnl" sz="1400" dirty="0">
+                <a:solidFill>
+                  <a:schemeClr val="bg1"/>
+                </a:solidFill>
                 <a:latin typeface="Consolas" panose="020B0609020204030204" pitchFamily="49" charset="0"/>
                 <a:cs typeface="Consolas" panose="020B0609020204030204" pitchFamily="49" charset="0"/>
               </a:rPr>
               <a:t>	 //</a:t>
             </a:r>
             <a:r>
-              <a:rPr lang="es-ES_tradnl" sz="1100" dirty="0" err="1">
+              <a:rPr lang="es-ES_tradnl" sz="1400" dirty="0" err="1">
+                <a:solidFill>
+                  <a:schemeClr val="bg1"/>
+                </a:solidFill>
                 <a:latin typeface="Consolas" panose="020B0609020204030204" pitchFamily="49" charset="0"/>
                 <a:cs typeface="Consolas" panose="020B0609020204030204" pitchFamily="49" charset="0"/>
               </a:rPr>
               <a:t>this</a:t>
             </a:r>
             <a:r>
-              <a:rPr lang="es-ES_tradnl" sz="1100" dirty="0">
+              <a:rPr lang="es-ES_tradnl" sz="1400" dirty="0">
+                <a:solidFill>
+                  <a:schemeClr val="bg1"/>
+                </a:solidFill>
                 <a:latin typeface="Consolas" panose="020B0609020204030204" pitchFamily="49" charset="0"/>
                 <a:cs typeface="Consolas" panose="020B0609020204030204" pitchFamily="49" charset="0"/>
               </a:rPr>
               <a:t> </a:t>
             </a:r>
             <a:r>
-              <a:rPr lang="es-ES_tradnl" sz="1100" dirty="0" err="1">
+              <a:rPr lang="es-ES_tradnl" sz="1400" dirty="0" err="1">
+                <a:solidFill>
+                  <a:schemeClr val="bg1"/>
+                </a:solidFill>
                 <a:latin typeface="Consolas" panose="020B0609020204030204" pitchFamily="49" charset="0"/>
                 <a:cs typeface="Consolas" panose="020B0609020204030204" pitchFamily="49" charset="0"/>
               </a:rPr>
               <a:t>will</a:t>
             </a:r>
             <a:r>
-              <a:rPr lang="es-ES_tradnl" sz="1100" dirty="0">
+              <a:rPr lang="es-ES_tradnl" sz="1400" dirty="0">
+                <a:solidFill>
+                  <a:schemeClr val="bg1"/>
+                </a:solidFill>
                 <a:latin typeface="Consolas" panose="020B0609020204030204" pitchFamily="49" charset="0"/>
                 <a:cs typeface="Consolas" panose="020B0609020204030204" pitchFamily="49" charset="0"/>
               </a:rPr>
               <a:t> </a:t>
             </a:r>
             <a:r>
-              <a:rPr lang="es-ES_tradnl" sz="1100" dirty="0" err="1">
+              <a:rPr lang="es-ES_tradnl" sz="1400" dirty="0" err="1">
+                <a:solidFill>
+                  <a:schemeClr val="bg1"/>
+                </a:solidFill>
                 <a:latin typeface="Consolas" panose="020B0609020204030204" pitchFamily="49" charset="0"/>
                 <a:cs typeface="Consolas" panose="020B0609020204030204" pitchFamily="49" charset="0"/>
               </a:rPr>
               <a:t>execute</a:t>
             </a:r>
             <a:r>
-              <a:rPr lang="es-ES_tradnl" sz="1100" dirty="0">
+              <a:rPr lang="es-ES_tradnl" sz="1400" dirty="0">
+                <a:solidFill>
+                  <a:schemeClr val="bg1"/>
+                </a:solidFill>
                 <a:latin typeface="Consolas" panose="020B0609020204030204" pitchFamily="49" charset="0"/>
                 <a:cs typeface="Consolas" panose="020B0609020204030204" pitchFamily="49" charset="0"/>
               </a:rPr>
               <a:t> </a:t>
             </a:r>
             <a:r>
-              <a:rPr lang="es-ES_tradnl" sz="1100" dirty="0" err="1">
+              <a:rPr lang="es-ES_tradnl" sz="1400" dirty="0" err="1">
+                <a:solidFill>
+                  <a:schemeClr val="bg1"/>
+                </a:solidFill>
                 <a:latin typeface="Consolas" panose="020B0609020204030204" pitchFamily="49" charset="0"/>
                 <a:cs typeface="Consolas" panose="020B0609020204030204" pitchFamily="49" charset="0"/>
               </a:rPr>
               <a:t>when</a:t>
             </a:r>
             <a:r>
-              <a:rPr lang="es-ES_tradnl" sz="1100" dirty="0">
+              <a:rPr lang="es-ES_tradnl" sz="1400" dirty="0">
+                <a:solidFill>
+                  <a:schemeClr val="bg1"/>
+                </a:solidFill>
                 <a:latin typeface="Consolas" panose="020B0609020204030204" pitchFamily="49" charset="0"/>
                 <a:cs typeface="Consolas" panose="020B0609020204030204" pitchFamily="49" charset="0"/>
               </a:rPr>
               <a:t> </a:t>
             </a:r>
             <a:r>
-              <a:rPr lang="es-ES_tradnl" sz="1100" dirty="0" err="1">
+              <a:rPr lang="es-ES_tradnl" sz="1400" dirty="0" err="1">
+                <a:solidFill>
+                  <a:schemeClr val="bg1"/>
+                </a:solidFill>
                 <a:latin typeface="Consolas" panose="020B0609020204030204" pitchFamily="49" charset="0"/>
                 <a:cs typeface="Consolas" panose="020B0609020204030204" pitchFamily="49" charset="0"/>
               </a:rPr>
               <a:t>the</a:t>
             </a:r>
             <a:r>
-              <a:rPr lang="es-ES_tradnl" sz="1100" dirty="0">
+              <a:rPr lang="es-ES_tradnl" sz="1400" dirty="0">
+                <a:solidFill>
+                  <a:schemeClr val="bg1"/>
+                </a:solidFill>
                 <a:latin typeface="Consolas" panose="020B0609020204030204" pitchFamily="49" charset="0"/>
                 <a:cs typeface="Consolas" panose="020B0609020204030204" pitchFamily="49" charset="0"/>
               </a:rPr>
               <a:t> </a:t>
             </a:r>
             <a:r>
-              <a:rPr lang="es-ES_tradnl" sz="1100" dirty="0" err="1">
+              <a:rPr lang="es-ES_tradnl" sz="1400" dirty="0" err="1">
+                <a:solidFill>
+                  <a:schemeClr val="bg1"/>
+                </a:solidFill>
                 <a:latin typeface="Consolas" panose="020B0609020204030204" pitchFamily="49" charset="0"/>
                 <a:cs typeface="Consolas" panose="020B0609020204030204" pitchFamily="49" charset="0"/>
               </a:rPr>
               <a:t>state</a:t>
             </a:r>
             <a:r>
-              <a:rPr lang="es-ES_tradnl" sz="1100" dirty="0">
+              <a:rPr lang="es-ES_tradnl" sz="1400" dirty="0">
+                <a:solidFill>
+                  <a:schemeClr val="bg1"/>
+                </a:solidFill>
                 <a:latin typeface="Consolas" panose="020B0609020204030204" pitchFamily="49" charset="0"/>
                 <a:cs typeface="Consolas" panose="020B0609020204030204" pitchFamily="49" charset="0"/>
               </a:rPr>
               <a:t> </a:t>
             </a:r>
             <a:r>
-              <a:rPr lang="es-ES_tradnl" sz="1100" dirty="0" err="1">
+              <a:rPr lang="es-ES_tradnl" sz="1400" dirty="0" err="1">
+                <a:solidFill>
+                  <a:schemeClr val="bg1"/>
+                </a:solidFill>
                 <a:latin typeface="Consolas" panose="020B0609020204030204" pitchFamily="49" charset="0"/>
                 <a:cs typeface="Consolas" panose="020B0609020204030204" pitchFamily="49" charset="0"/>
               </a:rPr>
               <a:t>is</a:t>
             </a:r>
             <a:r>
-              <a:rPr lang="es-ES_tradnl" sz="1100" dirty="0">
+              <a:rPr lang="es-ES_tradnl" sz="1400" dirty="0">
+                <a:solidFill>
+                  <a:schemeClr val="bg1"/>
+                </a:solidFill>
                 <a:latin typeface="Consolas" panose="020B0609020204030204" pitchFamily="49" charset="0"/>
                 <a:cs typeface="Consolas" panose="020B0609020204030204" pitchFamily="49" charset="0"/>
               </a:rPr>
               <a:t> </a:t>
             </a:r>
             <a:r>
-              <a:rPr lang="es-ES_tradnl" sz="1100" dirty="0" err="1">
+              <a:rPr lang="es-ES_tradnl" sz="1400" dirty="0" err="1">
+                <a:solidFill>
+                  <a:schemeClr val="bg1"/>
+                </a:solidFill>
                 <a:latin typeface="Consolas" panose="020B0609020204030204" pitchFamily="49" charset="0"/>
                 <a:cs typeface="Consolas" panose="020B0609020204030204" pitchFamily="49" charset="0"/>
               </a:rPr>
               <a:t>entered</a:t>
             </a:r>
             <a:r>
-              <a:rPr lang="es-ES_tradnl" sz="1100" dirty="0">
+              <a:rPr lang="es-ES_tradnl" sz="1400" dirty="0">
+                <a:solidFill>
+                  <a:schemeClr val="bg1"/>
+                </a:solidFill>
                 <a:latin typeface="Consolas" panose="020B0609020204030204" pitchFamily="49" charset="0"/>
                 <a:cs typeface="Consolas" panose="020B0609020204030204" pitchFamily="49" charset="0"/>
               </a:rPr>
@@ -31119,49 +32504,70 @@
               </a:spcBef>
             </a:pPr>
             <a:r>
-              <a:rPr lang="es-ES_tradnl" sz="1100" dirty="0">
+              <a:rPr lang="es-ES_tradnl" sz="1400" dirty="0">
+                <a:solidFill>
+                  <a:schemeClr val="bg1"/>
+                </a:solidFill>
                 <a:latin typeface="Consolas" panose="020B0609020204030204" pitchFamily="49" charset="0"/>
                 <a:cs typeface="Consolas" panose="020B0609020204030204" pitchFamily="49" charset="0"/>
               </a:rPr>
               <a:t>	virtual </a:t>
             </a:r>
             <a:r>
-              <a:rPr lang="es-ES_tradnl" sz="1100" dirty="0" err="1">
+              <a:rPr lang="es-ES_tradnl" sz="1400" dirty="0" err="1">
+                <a:solidFill>
+                  <a:schemeClr val="bg1"/>
+                </a:solidFill>
                 <a:latin typeface="Consolas" panose="020B0609020204030204" pitchFamily="49" charset="0"/>
                 <a:cs typeface="Consolas" panose="020B0609020204030204" pitchFamily="49" charset="0"/>
               </a:rPr>
               <a:t>void</a:t>
             </a:r>
             <a:r>
-              <a:rPr lang="es-ES_tradnl" sz="1100" dirty="0">
+              <a:rPr lang="es-ES_tradnl" sz="1400" dirty="0">
+                <a:solidFill>
+                  <a:schemeClr val="bg1"/>
+                </a:solidFill>
                 <a:latin typeface="Consolas" panose="020B0609020204030204" pitchFamily="49" charset="0"/>
                 <a:cs typeface="Consolas" panose="020B0609020204030204" pitchFamily="49" charset="0"/>
               </a:rPr>
               <a:t> </a:t>
             </a:r>
             <a:r>
-              <a:rPr lang="es-ES_tradnl" sz="1100" dirty="0" err="1">
+              <a:rPr lang="es-ES_tradnl" sz="1400" dirty="0" err="1">
+                <a:solidFill>
+                  <a:schemeClr val="bg1"/>
+                </a:solidFill>
                 <a:latin typeface="Consolas" panose="020B0609020204030204" pitchFamily="49" charset="0"/>
                 <a:cs typeface="Consolas" panose="020B0609020204030204" pitchFamily="49" charset="0"/>
               </a:rPr>
               <a:t>Enter</a:t>
             </a:r>
             <a:r>
-              <a:rPr lang="es-ES_tradnl" sz="1100" dirty="0">
+              <a:rPr lang="es-ES_tradnl" sz="1400" dirty="0">
+                <a:solidFill>
+                  <a:schemeClr val="bg1"/>
+                </a:solidFill>
                 <a:latin typeface="Consolas" panose="020B0609020204030204" pitchFamily="49" charset="0"/>
                 <a:cs typeface="Consolas" panose="020B0609020204030204" pitchFamily="49" charset="0"/>
               </a:rPr>
               <a:t>(</a:t>
             </a:r>
             <a:r>
-              <a:rPr lang="es-ES_tradnl" sz="1100" dirty="0" err="1">
+              <a:rPr lang="es-ES_tradnl" sz="1400" dirty="0" err="1">
+                <a:solidFill>
+                  <a:schemeClr val="bg1"/>
+                </a:solidFill>
                 <a:latin typeface="Consolas" panose="020B0609020204030204" pitchFamily="49" charset="0"/>
                 <a:cs typeface="Consolas" panose="020B0609020204030204" pitchFamily="49" charset="0"/>
               </a:rPr>
               <a:t>game_element</a:t>
             </a:r>
             <a:r>
-              <a:rPr lang="es-ES_tradnl" sz="1100" dirty="0">
+              <a:rPr lang="es-ES_tradnl" sz="1400" dirty="0">
+                <a:solidFill>
+                  <a:schemeClr val="bg1"/>
+                </a:solidFill>
                 <a:latin typeface="Consolas" panose="020B0609020204030204" pitchFamily="49" charset="0"/>
                 <a:cs typeface="Consolas" panose="020B0609020204030204" pitchFamily="49" charset="0"/>
               </a:rPr>
@@ -31175,91 +32581,130 @@
               </a:spcBef>
             </a:pPr>
             <a:r>
-              <a:rPr lang="es-ES_tradnl" sz="1100" dirty="0">
+              <a:rPr lang="es-ES_tradnl" sz="1400" dirty="0">
+                <a:solidFill>
+                  <a:schemeClr val="bg1"/>
+                </a:solidFill>
                 <a:latin typeface="Consolas" panose="020B0609020204030204" pitchFamily="49" charset="0"/>
                 <a:cs typeface="Consolas" panose="020B0609020204030204" pitchFamily="49" charset="0"/>
               </a:rPr>
               <a:t>	//</a:t>
             </a:r>
             <a:r>
-              <a:rPr lang="es-ES_tradnl" sz="1100" dirty="0" err="1">
+              <a:rPr lang="es-ES_tradnl" sz="1400" dirty="0" err="1">
+                <a:solidFill>
+                  <a:schemeClr val="bg1"/>
+                </a:solidFill>
                 <a:latin typeface="Consolas" panose="020B0609020204030204" pitchFamily="49" charset="0"/>
                 <a:cs typeface="Consolas" panose="020B0609020204030204" pitchFamily="49" charset="0"/>
               </a:rPr>
               <a:t>this</a:t>
             </a:r>
             <a:r>
-              <a:rPr lang="es-ES_tradnl" sz="1100" dirty="0">
+              <a:rPr lang="es-ES_tradnl" sz="1400" dirty="0">
+                <a:solidFill>
+                  <a:schemeClr val="bg1"/>
+                </a:solidFill>
                 <a:latin typeface="Consolas" panose="020B0609020204030204" pitchFamily="49" charset="0"/>
                 <a:cs typeface="Consolas" panose="020B0609020204030204" pitchFamily="49" charset="0"/>
               </a:rPr>
               <a:t> </a:t>
             </a:r>
             <a:r>
-              <a:rPr lang="es-ES_tradnl" sz="1100" dirty="0" err="1">
+              <a:rPr lang="es-ES_tradnl" sz="1400" dirty="0" err="1">
+                <a:solidFill>
+                  <a:schemeClr val="bg1"/>
+                </a:solidFill>
                 <a:latin typeface="Consolas" panose="020B0609020204030204" pitchFamily="49" charset="0"/>
                 <a:cs typeface="Consolas" panose="020B0609020204030204" pitchFamily="49" charset="0"/>
               </a:rPr>
               <a:t>is</a:t>
             </a:r>
             <a:r>
-              <a:rPr lang="es-ES_tradnl" sz="1100" dirty="0">
+              <a:rPr lang="es-ES_tradnl" sz="1400" dirty="0">
+                <a:solidFill>
+                  <a:schemeClr val="bg1"/>
+                </a:solidFill>
                 <a:latin typeface="Consolas" panose="020B0609020204030204" pitchFamily="49" charset="0"/>
                 <a:cs typeface="Consolas" panose="020B0609020204030204" pitchFamily="49" charset="0"/>
               </a:rPr>
               <a:t> </a:t>
             </a:r>
             <a:r>
-              <a:rPr lang="es-ES_tradnl" sz="1100" dirty="0" err="1">
+              <a:rPr lang="es-ES_tradnl" sz="1400" dirty="0" err="1">
+                <a:solidFill>
+                  <a:schemeClr val="bg1"/>
+                </a:solidFill>
                 <a:latin typeface="Consolas" panose="020B0609020204030204" pitchFamily="49" charset="0"/>
                 <a:cs typeface="Consolas" panose="020B0609020204030204" pitchFamily="49" charset="0"/>
               </a:rPr>
               <a:t>the</a:t>
             </a:r>
             <a:r>
-              <a:rPr lang="es-ES_tradnl" sz="1100" dirty="0">
+              <a:rPr lang="es-ES_tradnl" sz="1400" dirty="0">
+                <a:solidFill>
+                  <a:schemeClr val="bg1"/>
+                </a:solidFill>
                 <a:latin typeface="Consolas" panose="020B0609020204030204" pitchFamily="49" charset="0"/>
                 <a:cs typeface="Consolas" panose="020B0609020204030204" pitchFamily="49" charset="0"/>
               </a:rPr>
               <a:t> </a:t>
             </a:r>
             <a:r>
-              <a:rPr lang="es-ES_tradnl" sz="1100" dirty="0" err="1">
+              <a:rPr lang="es-ES_tradnl" sz="1400" dirty="0" err="1">
+                <a:solidFill>
+                  <a:schemeClr val="bg1"/>
+                </a:solidFill>
                 <a:latin typeface="Consolas" panose="020B0609020204030204" pitchFamily="49" charset="0"/>
                 <a:cs typeface="Consolas" panose="020B0609020204030204" pitchFamily="49" charset="0"/>
               </a:rPr>
               <a:t>state's</a:t>
             </a:r>
             <a:r>
-              <a:rPr lang="es-ES_tradnl" sz="1100" dirty="0">
+              <a:rPr lang="es-ES_tradnl" sz="1400" dirty="0">
+                <a:solidFill>
+                  <a:schemeClr val="bg1"/>
+                </a:solidFill>
                 <a:latin typeface="Consolas" panose="020B0609020204030204" pitchFamily="49" charset="0"/>
                 <a:cs typeface="Consolas" panose="020B0609020204030204" pitchFamily="49" charset="0"/>
               </a:rPr>
               <a:t> normal </a:t>
             </a:r>
             <a:r>
-              <a:rPr lang="es-ES_tradnl" sz="1100" dirty="0" err="1">
+              <a:rPr lang="es-ES_tradnl" sz="1400" dirty="0" err="1">
+                <a:solidFill>
+                  <a:schemeClr val="bg1"/>
+                </a:solidFill>
                 <a:latin typeface="Consolas" panose="020B0609020204030204" pitchFamily="49" charset="0"/>
                 <a:cs typeface="Consolas" panose="020B0609020204030204" pitchFamily="49" charset="0"/>
               </a:rPr>
               <a:t>update</a:t>
             </a:r>
             <a:r>
-              <a:rPr lang="es-ES_tradnl" sz="1100" dirty="0">
+              <a:rPr lang="es-ES_tradnl" sz="1400" dirty="0">
+                <a:solidFill>
+                  <a:schemeClr val="bg1"/>
+                </a:solidFill>
                 <a:latin typeface="Consolas" panose="020B0609020204030204" pitchFamily="49" charset="0"/>
                 <a:cs typeface="Consolas" panose="020B0609020204030204" pitchFamily="49" charset="0"/>
               </a:rPr>
               <a:t> </a:t>
             </a:r>
             <a:r>
-              <a:rPr lang="es-ES_tradnl" sz="1100" dirty="0" err="1">
+              <a:rPr lang="es-ES_tradnl" sz="1400" dirty="0" err="1">
+                <a:solidFill>
+                  <a:schemeClr val="bg1"/>
+                </a:solidFill>
                 <a:latin typeface="Consolas" panose="020B0609020204030204" pitchFamily="49" charset="0"/>
                 <a:cs typeface="Consolas" panose="020B0609020204030204" pitchFamily="49" charset="0"/>
               </a:rPr>
               <a:t>function</a:t>
             </a:r>
             <a:r>
-              <a:rPr lang="es-ES_tradnl" sz="1100" dirty="0">
+              <a:rPr lang="es-ES_tradnl" sz="1400" dirty="0">
+                <a:solidFill>
+                  <a:schemeClr val="bg1"/>
+                </a:solidFill>
                 <a:latin typeface="Consolas" panose="020B0609020204030204" pitchFamily="49" charset="0"/>
                 <a:cs typeface="Consolas" panose="020B0609020204030204" pitchFamily="49" charset="0"/>
               </a:rPr>
@@ -31273,49 +32718,70 @@
               </a:spcBef>
             </a:pPr>
             <a:r>
-              <a:rPr lang="es-ES_tradnl" sz="1100" dirty="0">
+              <a:rPr lang="es-ES_tradnl" sz="1400" dirty="0">
+                <a:solidFill>
+                  <a:schemeClr val="bg1"/>
+                </a:solidFill>
                 <a:latin typeface="Consolas" panose="020B0609020204030204" pitchFamily="49" charset="0"/>
                 <a:cs typeface="Consolas" panose="020B0609020204030204" pitchFamily="49" charset="0"/>
               </a:rPr>
               <a:t>	virtual </a:t>
             </a:r>
             <a:r>
-              <a:rPr lang="es-ES_tradnl" sz="1100" dirty="0" err="1">
+              <a:rPr lang="es-ES_tradnl" sz="1400" dirty="0" err="1">
+                <a:solidFill>
+                  <a:schemeClr val="bg1"/>
+                </a:solidFill>
                 <a:latin typeface="Consolas" panose="020B0609020204030204" pitchFamily="49" charset="0"/>
                 <a:cs typeface="Consolas" panose="020B0609020204030204" pitchFamily="49" charset="0"/>
               </a:rPr>
               <a:t>void</a:t>
             </a:r>
             <a:r>
-              <a:rPr lang="es-ES_tradnl" sz="1100" dirty="0">
+              <a:rPr lang="es-ES_tradnl" sz="1400" dirty="0">
+                <a:solidFill>
+                  <a:schemeClr val="bg1"/>
+                </a:solidFill>
                 <a:latin typeface="Consolas" panose="020B0609020204030204" pitchFamily="49" charset="0"/>
                 <a:cs typeface="Consolas" panose="020B0609020204030204" pitchFamily="49" charset="0"/>
               </a:rPr>
               <a:t> </a:t>
             </a:r>
             <a:r>
-              <a:rPr lang="es-ES_tradnl" sz="1100" dirty="0" err="1">
+              <a:rPr lang="es-ES_tradnl" sz="1400" dirty="0" err="1">
+                <a:solidFill>
+                  <a:schemeClr val="bg1"/>
+                </a:solidFill>
                 <a:latin typeface="Consolas" panose="020B0609020204030204" pitchFamily="49" charset="0"/>
                 <a:cs typeface="Consolas" panose="020B0609020204030204" pitchFamily="49" charset="0"/>
               </a:rPr>
               <a:t>Execute</a:t>
             </a:r>
             <a:r>
-              <a:rPr lang="es-ES_tradnl" sz="1100" dirty="0">
+              <a:rPr lang="es-ES_tradnl" sz="1400" dirty="0">
+                <a:solidFill>
+                  <a:schemeClr val="bg1"/>
+                </a:solidFill>
                 <a:latin typeface="Consolas" panose="020B0609020204030204" pitchFamily="49" charset="0"/>
                 <a:cs typeface="Consolas" panose="020B0609020204030204" pitchFamily="49" charset="0"/>
               </a:rPr>
               <a:t>(</a:t>
             </a:r>
             <a:r>
-              <a:rPr lang="es-ES_tradnl" sz="1100" dirty="0" err="1">
+              <a:rPr lang="es-ES_tradnl" sz="1400" dirty="0" err="1">
+                <a:solidFill>
+                  <a:schemeClr val="bg1"/>
+                </a:solidFill>
                 <a:latin typeface="Consolas" panose="020B0609020204030204" pitchFamily="49" charset="0"/>
                 <a:cs typeface="Consolas" panose="020B0609020204030204" pitchFamily="49" charset="0"/>
               </a:rPr>
               <a:t>game_element</a:t>
             </a:r>
             <a:r>
-              <a:rPr lang="es-ES_tradnl" sz="1100" dirty="0">
+              <a:rPr lang="es-ES_tradnl" sz="1400" dirty="0">
+                <a:solidFill>
+                  <a:schemeClr val="bg1"/>
+                </a:solidFill>
                 <a:latin typeface="Consolas" panose="020B0609020204030204" pitchFamily="49" charset="0"/>
                 <a:cs typeface="Consolas" panose="020B0609020204030204" pitchFamily="49" charset="0"/>
               </a:rPr>
@@ -31329,119 +32795,170 @@
               </a:spcBef>
             </a:pPr>
             <a:r>
-              <a:rPr lang="es-ES_tradnl" sz="1100" dirty="0">
+              <a:rPr lang="es-ES_tradnl" sz="1400" dirty="0">
+                <a:solidFill>
+                  <a:schemeClr val="bg1"/>
+                </a:solidFill>
                 <a:latin typeface="Consolas" panose="020B0609020204030204" pitchFamily="49" charset="0"/>
                 <a:cs typeface="Consolas" panose="020B0609020204030204" pitchFamily="49" charset="0"/>
               </a:rPr>
               <a:t>	//</a:t>
             </a:r>
             <a:r>
-              <a:rPr lang="es-ES_tradnl" sz="1100" dirty="0" err="1">
+              <a:rPr lang="es-ES_tradnl" sz="1400" dirty="0" err="1">
+                <a:solidFill>
+                  <a:schemeClr val="bg1"/>
+                </a:solidFill>
                 <a:latin typeface="Consolas" panose="020B0609020204030204" pitchFamily="49" charset="0"/>
                 <a:cs typeface="Consolas" panose="020B0609020204030204" pitchFamily="49" charset="0"/>
               </a:rPr>
               <a:t>this</a:t>
             </a:r>
             <a:r>
-              <a:rPr lang="es-ES_tradnl" sz="1100" dirty="0">
+              <a:rPr lang="es-ES_tradnl" sz="1400" dirty="0">
+                <a:solidFill>
+                  <a:schemeClr val="bg1"/>
+                </a:solidFill>
                 <a:latin typeface="Consolas" panose="020B0609020204030204" pitchFamily="49" charset="0"/>
                 <a:cs typeface="Consolas" panose="020B0609020204030204" pitchFamily="49" charset="0"/>
               </a:rPr>
               <a:t> </a:t>
             </a:r>
             <a:r>
-              <a:rPr lang="es-ES_tradnl" sz="1100" dirty="0" err="1">
+              <a:rPr lang="es-ES_tradnl" sz="1400" dirty="0" err="1">
+                <a:solidFill>
+                  <a:schemeClr val="bg1"/>
+                </a:solidFill>
                 <a:latin typeface="Consolas" panose="020B0609020204030204" pitchFamily="49" charset="0"/>
                 <a:cs typeface="Consolas" panose="020B0609020204030204" pitchFamily="49" charset="0"/>
               </a:rPr>
               <a:t>will</a:t>
             </a:r>
             <a:r>
-              <a:rPr lang="es-ES_tradnl" sz="1100" dirty="0">
+              <a:rPr lang="es-ES_tradnl" sz="1400" dirty="0">
+                <a:solidFill>
+                  <a:schemeClr val="bg1"/>
+                </a:solidFill>
                 <a:latin typeface="Consolas" panose="020B0609020204030204" pitchFamily="49" charset="0"/>
                 <a:cs typeface="Consolas" panose="020B0609020204030204" pitchFamily="49" charset="0"/>
               </a:rPr>
               <a:t> </a:t>
             </a:r>
             <a:r>
-              <a:rPr lang="es-ES_tradnl" sz="1100" dirty="0" err="1">
+              <a:rPr lang="es-ES_tradnl" sz="1400" dirty="0" err="1">
+                <a:solidFill>
+                  <a:schemeClr val="bg1"/>
+                </a:solidFill>
                 <a:latin typeface="Consolas" panose="020B0609020204030204" pitchFamily="49" charset="0"/>
                 <a:cs typeface="Consolas" panose="020B0609020204030204" pitchFamily="49" charset="0"/>
               </a:rPr>
               <a:t>execute</a:t>
             </a:r>
             <a:r>
-              <a:rPr lang="es-ES_tradnl" sz="1100" dirty="0">
+              <a:rPr lang="es-ES_tradnl" sz="1400" dirty="0">
+                <a:solidFill>
+                  <a:schemeClr val="bg1"/>
+                </a:solidFill>
                 <a:latin typeface="Consolas" panose="020B0609020204030204" pitchFamily="49" charset="0"/>
                 <a:cs typeface="Consolas" panose="020B0609020204030204" pitchFamily="49" charset="0"/>
               </a:rPr>
               <a:t> </a:t>
             </a:r>
             <a:r>
-              <a:rPr lang="es-ES_tradnl" sz="1100" dirty="0" err="1">
+              <a:rPr lang="es-ES_tradnl" sz="1400" dirty="0" err="1">
+                <a:solidFill>
+                  <a:schemeClr val="bg1"/>
+                </a:solidFill>
                 <a:latin typeface="Consolas" panose="020B0609020204030204" pitchFamily="49" charset="0"/>
                 <a:cs typeface="Consolas" panose="020B0609020204030204" pitchFamily="49" charset="0"/>
               </a:rPr>
               <a:t>when</a:t>
             </a:r>
             <a:r>
-              <a:rPr lang="es-ES_tradnl" sz="1100" dirty="0">
+              <a:rPr lang="es-ES_tradnl" sz="1400" dirty="0">
+                <a:solidFill>
+                  <a:schemeClr val="bg1"/>
+                </a:solidFill>
                 <a:latin typeface="Consolas" panose="020B0609020204030204" pitchFamily="49" charset="0"/>
                 <a:cs typeface="Consolas" panose="020B0609020204030204" pitchFamily="49" charset="0"/>
               </a:rPr>
               <a:t> </a:t>
             </a:r>
             <a:r>
-              <a:rPr lang="es-ES_tradnl" sz="1100" dirty="0" err="1">
+              <a:rPr lang="es-ES_tradnl" sz="1400" dirty="0" err="1">
+                <a:solidFill>
+                  <a:schemeClr val="bg1"/>
+                </a:solidFill>
                 <a:latin typeface="Consolas" panose="020B0609020204030204" pitchFamily="49" charset="0"/>
                 <a:cs typeface="Consolas" panose="020B0609020204030204" pitchFamily="49" charset="0"/>
               </a:rPr>
               <a:t>the</a:t>
             </a:r>
             <a:r>
-              <a:rPr lang="es-ES_tradnl" sz="1100" dirty="0">
+              <a:rPr lang="es-ES_tradnl" sz="1400" dirty="0">
+                <a:solidFill>
+                  <a:schemeClr val="bg1"/>
+                </a:solidFill>
                 <a:latin typeface="Consolas" panose="020B0609020204030204" pitchFamily="49" charset="0"/>
                 <a:cs typeface="Consolas" panose="020B0609020204030204" pitchFamily="49" charset="0"/>
               </a:rPr>
               <a:t> </a:t>
             </a:r>
             <a:r>
-              <a:rPr lang="es-ES_tradnl" sz="1100" dirty="0" err="1">
+              <a:rPr lang="es-ES_tradnl" sz="1400" dirty="0" err="1">
+                <a:solidFill>
+                  <a:schemeClr val="bg1"/>
+                </a:solidFill>
                 <a:latin typeface="Consolas" panose="020B0609020204030204" pitchFamily="49" charset="0"/>
                 <a:cs typeface="Consolas" panose="020B0609020204030204" pitchFamily="49" charset="0"/>
               </a:rPr>
               <a:t>state</a:t>
             </a:r>
             <a:r>
-              <a:rPr lang="es-ES_tradnl" sz="1100" dirty="0">
+              <a:rPr lang="es-ES_tradnl" sz="1400" dirty="0">
+                <a:solidFill>
+                  <a:schemeClr val="bg1"/>
+                </a:solidFill>
                 <a:latin typeface="Consolas" panose="020B0609020204030204" pitchFamily="49" charset="0"/>
                 <a:cs typeface="Consolas" panose="020B0609020204030204" pitchFamily="49" charset="0"/>
               </a:rPr>
               <a:t> </a:t>
             </a:r>
             <a:r>
-              <a:rPr lang="es-ES_tradnl" sz="1100" dirty="0" err="1">
+              <a:rPr lang="es-ES_tradnl" sz="1400" dirty="0" err="1">
+                <a:solidFill>
+                  <a:schemeClr val="bg1"/>
+                </a:solidFill>
                 <a:latin typeface="Consolas" panose="020B0609020204030204" pitchFamily="49" charset="0"/>
                 <a:cs typeface="Consolas" panose="020B0609020204030204" pitchFamily="49" charset="0"/>
               </a:rPr>
               <a:t>is</a:t>
             </a:r>
             <a:r>
-              <a:rPr lang="es-ES_tradnl" sz="1100" dirty="0">
+              <a:rPr lang="es-ES_tradnl" sz="1400" dirty="0">
+                <a:solidFill>
+                  <a:schemeClr val="bg1"/>
+                </a:solidFill>
                 <a:latin typeface="Consolas" panose="020B0609020204030204" pitchFamily="49" charset="0"/>
                 <a:cs typeface="Consolas" panose="020B0609020204030204" pitchFamily="49" charset="0"/>
               </a:rPr>
               <a:t> </a:t>
             </a:r>
             <a:r>
-              <a:rPr lang="es-ES_tradnl" sz="1100" dirty="0" err="1">
+              <a:rPr lang="es-ES_tradnl" sz="1400" dirty="0" err="1">
+                <a:solidFill>
+                  <a:schemeClr val="bg1"/>
+                </a:solidFill>
                 <a:latin typeface="Consolas" panose="020B0609020204030204" pitchFamily="49" charset="0"/>
                 <a:cs typeface="Consolas" panose="020B0609020204030204" pitchFamily="49" charset="0"/>
               </a:rPr>
               <a:t>exited</a:t>
             </a:r>
             <a:r>
-              <a:rPr lang="es-ES_tradnl" sz="1100" dirty="0">
+              <a:rPr lang="es-ES_tradnl" sz="1400" dirty="0">
+                <a:solidFill>
+                  <a:schemeClr val="bg1"/>
+                </a:solidFill>
                 <a:latin typeface="Consolas" panose="020B0609020204030204" pitchFamily="49" charset="0"/>
                 <a:cs typeface="Consolas" panose="020B0609020204030204" pitchFamily="49" charset="0"/>
               </a:rPr>
@@ -31455,49 +32972,70 @@
               </a:spcBef>
             </a:pPr>
             <a:r>
-              <a:rPr lang="es-ES_tradnl" sz="1100" dirty="0">
+              <a:rPr lang="es-ES_tradnl" sz="1400" dirty="0">
+                <a:solidFill>
+                  <a:schemeClr val="bg1"/>
+                </a:solidFill>
                 <a:latin typeface="Consolas" panose="020B0609020204030204" pitchFamily="49" charset="0"/>
                 <a:cs typeface="Consolas" panose="020B0609020204030204" pitchFamily="49" charset="0"/>
               </a:rPr>
               <a:t>	virtual </a:t>
             </a:r>
             <a:r>
-              <a:rPr lang="es-ES_tradnl" sz="1100" dirty="0" err="1">
+              <a:rPr lang="es-ES_tradnl" sz="1400" dirty="0" err="1">
+                <a:solidFill>
+                  <a:schemeClr val="bg1"/>
+                </a:solidFill>
                 <a:latin typeface="Consolas" panose="020B0609020204030204" pitchFamily="49" charset="0"/>
                 <a:cs typeface="Consolas" panose="020B0609020204030204" pitchFamily="49" charset="0"/>
               </a:rPr>
               <a:t>void</a:t>
             </a:r>
             <a:r>
-              <a:rPr lang="es-ES_tradnl" sz="1100" dirty="0">
+              <a:rPr lang="es-ES_tradnl" sz="1400" dirty="0">
+                <a:solidFill>
+                  <a:schemeClr val="bg1"/>
+                </a:solidFill>
                 <a:latin typeface="Consolas" panose="020B0609020204030204" pitchFamily="49" charset="0"/>
                 <a:cs typeface="Consolas" panose="020B0609020204030204" pitchFamily="49" charset="0"/>
               </a:rPr>
               <a:t> </a:t>
             </a:r>
             <a:r>
-              <a:rPr lang="es-ES_tradnl" sz="1100" dirty="0" err="1">
+              <a:rPr lang="es-ES_tradnl" sz="1400" dirty="0" err="1">
+                <a:solidFill>
+                  <a:schemeClr val="bg1"/>
+                </a:solidFill>
                 <a:latin typeface="Consolas" panose="020B0609020204030204" pitchFamily="49" charset="0"/>
                 <a:cs typeface="Consolas" panose="020B0609020204030204" pitchFamily="49" charset="0"/>
               </a:rPr>
               <a:t>Exit</a:t>
             </a:r>
             <a:r>
-              <a:rPr lang="es-ES_tradnl" sz="1100" dirty="0">
+              <a:rPr lang="es-ES_tradnl" sz="1400" dirty="0">
+                <a:solidFill>
+                  <a:schemeClr val="bg1"/>
+                </a:solidFill>
                 <a:latin typeface="Consolas" panose="020B0609020204030204" pitchFamily="49" charset="0"/>
                 <a:cs typeface="Consolas" panose="020B0609020204030204" pitchFamily="49" charset="0"/>
               </a:rPr>
               <a:t>(</a:t>
             </a:r>
             <a:r>
-              <a:rPr lang="es-ES_tradnl" sz="1100" dirty="0" err="1">
+              <a:rPr lang="es-ES_tradnl" sz="1400" dirty="0" err="1">
+                <a:solidFill>
+                  <a:schemeClr val="bg1"/>
+                </a:solidFill>
                 <a:latin typeface="Consolas" panose="020B0609020204030204" pitchFamily="49" charset="0"/>
                 <a:cs typeface="Consolas" panose="020B0609020204030204" pitchFamily="49" charset="0"/>
               </a:rPr>
               <a:t>game_element</a:t>
             </a:r>
             <a:r>
-              <a:rPr lang="es-ES_tradnl" sz="1100" dirty="0">
+              <a:rPr lang="es-ES_tradnl" sz="1400" dirty="0">
+                <a:solidFill>
+                  <a:schemeClr val="bg1"/>
+                </a:solidFill>
                 <a:latin typeface="Consolas" panose="020B0609020204030204" pitchFamily="49" charset="0"/>
                 <a:cs typeface="Consolas" panose="020B0609020204030204" pitchFamily="49" charset="0"/>
               </a:rPr>
@@ -31511,15 +33049,18 @@
               </a:spcBef>
             </a:pPr>
             <a:r>
-              <a:rPr lang="es-ES_tradnl" sz="1100" dirty="0">
+              <a:rPr lang="es-ES_tradnl" sz="1400" dirty="0">
+                <a:solidFill>
+                  <a:schemeClr val="bg1"/>
+                </a:solidFill>
                 <a:latin typeface="Consolas" panose="020B0609020204030204" pitchFamily="49" charset="0"/>
                 <a:cs typeface="Consolas" panose="020B0609020204030204" pitchFamily="49" charset="0"/>
               </a:rPr>
               <a:t>};</a:t>
             </a:r>
-            <a:endParaRPr lang="en-US" sz="1100" b="1" dirty="0">
+            <a:endParaRPr lang="en-US" sz="1400" b="1" dirty="0">
               <a:solidFill>
-                <a:srgbClr val="006600"/>
+                <a:schemeClr val="bg1"/>
               </a:solidFill>
               <a:latin typeface="Consolas" panose="020B0609020204030204" pitchFamily="49" charset="0"/>
               <a:cs typeface="Consolas" panose="020B0609020204030204" pitchFamily="49" charset="0"/>
@@ -31537,8 +33078,8 @@
         </p:nvSpPr>
         <p:spPr bwMode="auto">
           <a:xfrm>
-            <a:off x="5638800" y="1485900"/>
-            <a:ext cx="4800600" cy="2514600"/>
+            <a:off x="5638799" y="1485900"/>
+            <a:ext cx="6279931" cy="3464472"/>
           </a:xfrm>
           <a:prstGeom prst="rect">
             <a:avLst/>
@@ -31576,42 +33117,60 @@
               </a:spcBef>
             </a:pPr>
             <a:r>
-              <a:rPr lang="es-ES_tradnl" sz="1100" dirty="0" err="1">
+              <a:rPr lang="es-ES_tradnl" sz="1400" dirty="0" err="1">
+                <a:solidFill>
+                  <a:schemeClr val="bg1"/>
+                </a:solidFill>
                 <a:latin typeface="Consolas" panose="020B0609020204030204" pitchFamily="49" charset="0"/>
                 <a:cs typeface="Consolas" panose="020B0609020204030204" pitchFamily="49" charset="0"/>
               </a:rPr>
               <a:t>template</a:t>
             </a:r>
             <a:r>
-              <a:rPr lang="es-ES_tradnl" sz="1100" dirty="0">
+              <a:rPr lang="es-ES_tradnl" sz="1400" dirty="0">
+                <a:solidFill>
+                  <a:schemeClr val="bg1"/>
+                </a:solidFill>
                 <a:latin typeface="Consolas" panose="020B0609020204030204" pitchFamily="49" charset="0"/>
                 <a:cs typeface="Consolas" panose="020B0609020204030204" pitchFamily="49" charset="0"/>
               </a:rPr>
               <a:t> &lt;</a:t>
             </a:r>
             <a:r>
-              <a:rPr lang="es-ES_tradnl" sz="1100" dirty="0" err="1">
+              <a:rPr lang="es-ES_tradnl" sz="1400" dirty="0" err="1">
+                <a:solidFill>
+                  <a:schemeClr val="bg1"/>
+                </a:solidFill>
                 <a:latin typeface="Consolas" panose="020B0609020204030204" pitchFamily="49" charset="0"/>
                 <a:cs typeface="Consolas" panose="020B0609020204030204" pitchFamily="49" charset="0"/>
               </a:rPr>
               <a:t>class</a:t>
             </a:r>
             <a:r>
-              <a:rPr lang="es-ES_tradnl" sz="1100" dirty="0">
+              <a:rPr lang="es-ES_tradnl" sz="1400" dirty="0">
+                <a:solidFill>
+                  <a:schemeClr val="bg1"/>
+                </a:solidFill>
                 <a:latin typeface="Consolas" panose="020B0609020204030204" pitchFamily="49" charset="0"/>
                 <a:cs typeface="Consolas" panose="020B0609020204030204" pitchFamily="49" charset="0"/>
               </a:rPr>
               <a:t> </a:t>
             </a:r>
             <a:r>
-              <a:rPr lang="es-ES_tradnl" sz="1100" dirty="0" err="1">
+              <a:rPr lang="es-ES_tradnl" sz="1400" dirty="0" err="1">
+                <a:solidFill>
+                  <a:schemeClr val="bg1"/>
+                </a:solidFill>
                 <a:latin typeface="Consolas" panose="020B0609020204030204" pitchFamily="49" charset="0"/>
                 <a:cs typeface="Consolas" panose="020B0609020204030204" pitchFamily="49" charset="0"/>
               </a:rPr>
               <a:t>game_element</a:t>
             </a:r>
             <a:r>
-              <a:rPr lang="es-ES_tradnl" sz="1100" dirty="0">
+              <a:rPr lang="es-ES_tradnl" sz="1400" dirty="0">
+                <a:solidFill>
+                  <a:schemeClr val="bg1"/>
+                </a:solidFill>
                 <a:latin typeface="Consolas" panose="020B0609020204030204" pitchFamily="49" charset="0"/>
                 <a:cs typeface="Consolas" panose="020B0609020204030204" pitchFamily="49" charset="0"/>
               </a:rPr>
@@ -31625,28 +33184,40 @@
               </a:spcBef>
             </a:pPr>
             <a:r>
-              <a:rPr lang="es-ES_tradnl" sz="1100" dirty="0" err="1">
+              <a:rPr lang="es-ES_tradnl" sz="1400" dirty="0" err="1">
+                <a:solidFill>
+                  <a:schemeClr val="bg1"/>
+                </a:solidFill>
                 <a:latin typeface="Consolas" panose="020B0609020204030204" pitchFamily="49" charset="0"/>
                 <a:cs typeface="Consolas" panose="020B0609020204030204" pitchFamily="49" charset="0"/>
               </a:rPr>
               <a:t>class</a:t>
             </a:r>
             <a:r>
-              <a:rPr lang="es-ES_tradnl" sz="1100" dirty="0">
+              <a:rPr lang="es-ES_tradnl" sz="1400" dirty="0">
+                <a:solidFill>
+                  <a:schemeClr val="bg1"/>
+                </a:solidFill>
                 <a:latin typeface="Consolas" panose="020B0609020204030204" pitchFamily="49" charset="0"/>
                 <a:cs typeface="Consolas" panose="020B0609020204030204" pitchFamily="49" charset="0"/>
               </a:rPr>
               <a:t> </a:t>
             </a:r>
             <a:r>
-              <a:rPr lang="es-ES_tradnl" sz="1100" dirty="0" err="1">
+              <a:rPr lang="es-ES_tradnl" sz="1400" dirty="0" err="1">
+                <a:solidFill>
+                  <a:schemeClr val="bg1"/>
+                </a:solidFill>
                 <a:latin typeface="Consolas" panose="020B0609020204030204" pitchFamily="49" charset="0"/>
                 <a:cs typeface="Consolas" panose="020B0609020204030204" pitchFamily="49" charset="0"/>
               </a:rPr>
               <a:t>StateMachine</a:t>
             </a:r>
             <a:r>
-              <a:rPr lang="es-ES_tradnl" sz="1100" dirty="0">
+              <a:rPr lang="es-ES_tradnl" sz="1400" dirty="0">
+                <a:solidFill>
+                  <a:schemeClr val="bg1"/>
+                </a:solidFill>
                 <a:latin typeface="Consolas" panose="020B0609020204030204" pitchFamily="49" charset="0"/>
                 <a:cs typeface="Consolas" panose="020B0609020204030204" pitchFamily="49" charset="0"/>
               </a:rPr>
@@ -31660,21 +33231,30 @@
               </a:spcBef>
             </a:pPr>
             <a:r>
-              <a:rPr lang="es-ES_tradnl" sz="1100" dirty="0">
+              <a:rPr lang="es-ES_tradnl" sz="1400" dirty="0">
+                <a:solidFill>
+                  <a:schemeClr val="bg1"/>
+                </a:solidFill>
                 <a:latin typeface="Consolas" panose="020B0609020204030204" pitchFamily="49" charset="0"/>
                 <a:cs typeface="Consolas" panose="020B0609020204030204" pitchFamily="49" charset="0"/>
               </a:rPr>
               <a:t>	</a:t>
             </a:r>
             <a:r>
-              <a:rPr lang="es-ES_tradnl" sz="1100" dirty="0" err="1">
+              <a:rPr lang="es-ES_tradnl" sz="1400" dirty="0" err="1">
+                <a:solidFill>
+                  <a:schemeClr val="bg1"/>
+                </a:solidFill>
                 <a:latin typeface="Consolas" panose="020B0609020204030204" pitchFamily="49" charset="0"/>
                 <a:cs typeface="Consolas" panose="020B0609020204030204" pitchFamily="49" charset="0"/>
               </a:rPr>
               <a:t>private</a:t>
             </a:r>
             <a:r>
-              <a:rPr lang="es-ES_tradnl" sz="1100" dirty="0">
+              <a:rPr lang="es-ES_tradnl" sz="1400" dirty="0">
+                <a:solidFill>
+                  <a:schemeClr val="bg1"/>
+                </a:solidFill>
                 <a:latin typeface="Consolas" panose="020B0609020204030204" pitchFamily="49" charset="0"/>
                 <a:cs typeface="Consolas" panose="020B0609020204030204" pitchFamily="49" charset="0"/>
               </a:rPr>
@@ -31688,105 +33268,150 @@
               </a:spcBef>
             </a:pPr>
             <a:r>
-              <a:rPr lang="es-ES_tradnl" sz="1100" dirty="0">
+              <a:rPr lang="es-ES_tradnl" sz="1400" dirty="0">
+                <a:solidFill>
+                  <a:schemeClr val="bg1"/>
+                </a:solidFill>
                 <a:latin typeface="Consolas" panose="020B0609020204030204" pitchFamily="49" charset="0"/>
                 <a:cs typeface="Consolas" panose="020B0609020204030204" pitchFamily="49" charset="0"/>
               </a:rPr>
               <a:t>	//a pointer </a:t>
             </a:r>
             <a:r>
-              <a:rPr lang="es-ES_tradnl" sz="1100" dirty="0" err="1">
+              <a:rPr lang="es-ES_tradnl" sz="1400" dirty="0" err="1">
+                <a:solidFill>
+                  <a:schemeClr val="bg1"/>
+                </a:solidFill>
                 <a:latin typeface="Consolas" panose="020B0609020204030204" pitchFamily="49" charset="0"/>
                 <a:cs typeface="Consolas" panose="020B0609020204030204" pitchFamily="49" charset="0"/>
               </a:rPr>
               <a:t>to</a:t>
             </a:r>
             <a:r>
-              <a:rPr lang="es-ES_tradnl" sz="1100" dirty="0">
+              <a:rPr lang="es-ES_tradnl" sz="1400" dirty="0">
+                <a:solidFill>
+                  <a:schemeClr val="bg1"/>
+                </a:solidFill>
                 <a:latin typeface="Consolas" panose="020B0609020204030204" pitchFamily="49" charset="0"/>
                 <a:cs typeface="Consolas" panose="020B0609020204030204" pitchFamily="49" charset="0"/>
               </a:rPr>
               <a:t> </a:t>
             </a:r>
             <a:r>
-              <a:rPr lang="es-ES_tradnl" sz="1100" dirty="0" err="1">
+              <a:rPr lang="es-ES_tradnl" sz="1400" dirty="0" err="1">
+                <a:solidFill>
+                  <a:schemeClr val="bg1"/>
+                </a:solidFill>
                 <a:latin typeface="Consolas" panose="020B0609020204030204" pitchFamily="49" charset="0"/>
                 <a:cs typeface="Consolas" panose="020B0609020204030204" pitchFamily="49" charset="0"/>
               </a:rPr>
               <a:t>the</a:t>
             </a:r>
             <a:r>
-              <a:rPr lang="es-ES_tradnl" sz="1100" dirty="0">
+              <a:rPr lang="es-ES_tradnl" sz="1400" dirty="0">
+                <a:solidFill>
+                  <a:schemeClr val="bg1"/>
+                </a:solidFill>
                 <a:latin typeface="Consolas" panose="020B0609020204030204" pitchFamily="49" charset="0"/>
                 <a:cs typeface="Consolas" panose="020B0609020204030204" pitchFamily="49" charset="0"/>
               </a:rPr>
               <a:t> </a:t>
             </a:r>
             <a:r>
-              <a:rPr lang="es-ES_tradnl" sz="1100" dirty="0" err="1">
+              <a:rPr lang="es-ES_tradnl" sz="1400" dirty="0" err="1">
+                <a:solidFill>
+                  <a:schemeClr val="bg1"/>
+                </a:solidFill>
                 <a:latin typeface="Consolas" panose="020B0609020204030204" pitchFamily="49" charset="0"/>
                 <a:cs typeface="Consolas" panose="020B0609020204030204" pitchFamily="49" charset="0"/>
               </a:rPr>
               <a:t>agent</a:t>
             </a:r>
             <a:r>
-              <a:rPr lang="es-ES_tradnl" sz="1100" dirty="0">
+              <a:rPr lang="es-ES_tradnl" sz="1400" dirty="0">
+                <a:solidFill>
+                  <a:schemeClr val="bg1"/>
+                </a:solidFill>
                 <a:latin typeface="Consolas" panose="020B0609020204030204" pitchFamily="49" charset="0"/>
                 <a:cs typeface="Consolas" panose="020B0609020204030204" pitchFamily="49" charset="0"/>
               </a:rPr>
               <a:t> </a:t>
             </a:r>
             <a:r>
-              <a:rPr lang="es-ES_tradnl" sz="1100" dirty="0" err="1">
+              <a:rPr lang="es-ES_tradnl" sz="1400" dirty="0" err="1">
+                <a:solidFill>
+                  <a:schemeClr val="bg1"/>
+                </a:solidFill>
                 <a:latin typeface="Consolas" panose="020B0609020204030204" pitchFamily="49" charset="0"/>
                 <a:cs typeface="Consolas" panose="020B0609020204030204" pitchFamily="49" charset="0"/>
               </a:rPr>
               <a:t>that</a:t>
             </a:r>
             <a:r>
-              <a:rPr lang="es-ES_tradnl" sz="1100" dirty="0">
+              <a:rPr lang="es-ES_tradnl" sz="1400" dirty="0">
+                <a:solidFill>
+                  <a:schemeClr val="bg1"/>
+                </a:solidFill>
                 <a:latin typeface="Consolas" panose="020B0609020204030204" pitchFamily="49" charset="0"/>
                 <a:cs typeface="Consolas" panose="020B0609020204030204" pitchFamily="49" charset="0"/>
               </a:rPr>
               <a:t> </a:t>
             </a:r>
             <a:r>
-              <a:rPr lang="es-ES_tradnl" sz="1100" dirty="0" err="1">
+              <a:rPr lang="es-ES_tradnl" sz="1400" dirty="0" err="1">
+                <a:solidFill>
+                  <a:schemeClr val="bg1"/>
+                </a:solidFill>
                 <a:latin typeface="Consolas" panose="020B0609020204030204" pitchFamily="49" charset="0"/>
                 <a:cs typeface="Consolas" panose="020B0609020204030204" pitchFamily="49" charset="0"/>
               </a:rPr>
               <a:t>owns</a:t>
             </a:r>
             <a:r>
-              <a:rPr lang="es-ES_tradnl" sz="1100" dirty="0">
+              <a:rPr lang="es-ES_tradnl" sz="1400" dirty="0">
+                <a:solidFill>
+                  <a:schemeClr val="bg1"/>
+                </a:solidFill>
                 <a:latin typeface="Consolas" panose="020B0609020204030204" pitchFamily="49" charset="0"/>
                 <a:cs typeface="Consolas" panose="020B0609020204030204" pitchFamily="49" charset="0"/>
               </a:rPr>
               <a:t> </a:t>
             </a:r>
             <a:r>
-              <a:rPr lang="es-ES_tradnl" sz="1100" dirty="0" err="1">
+              <a:rPr lang="es-ES_tradnl" sz="1400" dirty="0" err="1">
+                <a:solidFill>
+                  <a:schemeClr val="bg1"/>
+                </a:solidFill>
                 <a:latin typeface="Consolas" panose="020B0609020204030204" pitchFamily="49" charset="0"/>
                 <a:cs typeface="Consolas" panose="020B0609020204030204" pitchFamily="49" charset="0"/>
               </a:rPr>
               <a:t>this</a:t>
             </a:r>
             <a:r>
-              <a:rPr lang="es-ES_tradnl" sz="1100" dirty="0">
+              <a:rPr lang="es-ES_tradnl" sz="1400" dirty="0">
+                <a:solidFill>
+                  <a:schemeClr val="bg1"/>
+                </a:solidFill>
                 <a:latin typeface="Consolas" panose="020B0609020204030204" pitchFamily="49" charset="0"/>
                 <a:cs typeface="Consolas" panose="020B0609020204030204" pitchFamily="49" charset="0"/>
               </a:rPr>
               <a:t> </a:t>
             </a:r>
             <a:r>
-              <a:rPr lang="es-ES_tradnl" sz="1100" dirty="0" err="1">
+              <a:rPr lang="es-ES_tradnl" sz="1400" dirty="0" err="1">
+                <a:solidFill>
+                  <a:schemeClr val="bg1"/>
+                </a:solidFill>
                 <a:latin typeface="Consolas" panose="020B0609020204030204" pitchFamily="49" charset="0"/>
                 <a:cs typeface="Consolas" panose="020B0609020204030204" pitchFamily="49" charset="0"/>
               </a:rPr>
               <a:t>instance</a:t>
             </a:r>
             <a:r>
-              <a:rPr lang="es-ES_tradnl" sz="1100" dirty="0">
+              <a:rPr lang="es-ES_tradnl" sz="1400" dirty="0">
+                <a:solidFill>
+                  <a:schemeClr val="bg1"/>
+                </a:solidFill>
                 <a:latin typeface="Consolas" panose="020B0609020204030204" pitchFamily="49" charset="0"/>
                 <a:cs typeface="Consolas" panose="020B0609020204030204" pitchFamily="49" charset="0"/>
               </a:rPr>
@@ -31800,35 +33425,50 @@
               </a:spcBef>
             </a:pPr>
             <a:r>
-              <a:rPr lang="es-ES_tradnl" sz="1100" dirty="0">
+              <a:rPr lang="es-ES_tradnl" sz="1400" dirty="0">
+                <a:solidFill>
+                  <a:schemeClr val="bg1"/>
+                </a:solidFill>
                 <a:latin typeface="Consolas" panose="020B0609020204030204" pitchFamily="49" charset="0"/>
                 <a:cs typeface="Consolas" panose="020B0609020204030204" pitchFamily="49" charset="0"/>
               </a:rPr>
               <a:t>	</a:t>
             </a:r>
             <a:r>
-              <a:rPr lang="es-ES_tradnl" sz="1100" dirty="0" err="1">
+              <a:rPr lang="es-ES_tradnl" sz="1400" dirty="0" err="1">
+                <a:solidFill>
+                  <a:schemeClr val="bg1"/>
+                </a:solidFill>
                 <a:latin typeface="Consolas" panose="020B0609020204030204" pitchFamily="49" charset="0"/>
                 <a:cs typeface="Consolas" panose="020B0609020204030204" pitchFamily="49" charset="0"/>
               </a:rPr>
               <a:t>game_element</a:t>
             </a:r>
             <a:r>
-              <a:rPr lang="es-ES_tradnl" sz="1100" dirty="0">
+              <a:rPr lang="es-ES_tradnl" sz="1400" dirty="0">
+                <a:solidFill>
+                  <a:schemeClr val="bg1"/>
+                </a:solidFill>
                 <a:latin typeface="Consolas" panose="020B0609020204030204" pitchFamily="49" charset="0"/>
                 <a:cs typeface="Consolas" panose="020B0609020204030204" pitchFamily="49" charset="0"/>
               </a:rPr>
               <a:t>*          </a:t>
             </a:r>
             <a:r>
-              <a:rPr lang="es-ES_tradnl" sz="1100" dirty="0" err="1">
+              <a:rPr lang="es-ES_tradnl" sz="1400" dirty="0" err="1">
+                <a:solidFill>
+                  <a:schemeClr val="bg1"/>
+                </a:solidFill>
                 <a:latin typeface="Consolas" panose="020B0609020204030204" pitchFamily="49" charset="0"/>
                 <a:cs typeface="Consolas" panose="020B0609020204030204" pitchFamily="49" charset="0"/>
               </a:rPr>
               <a:t>m_pOwner</a:t>
             </a:r>
             <a:r>
-              <a:rPr lang="es-ES_tradnl" sz="1100" dirty="0">
+              <a:rPr lang="es-ES_tradnl" sz="1400" dirty="0">
+                <a:solidFill>
+                  <a:schemeClr val="bg1"/>
+                </a:solidFill>
                 <a:latin typeface="Consolas" panose="020B0609020204030204" pitchFamily="49" charset="0"/>
                 <a:cs typeface="Consolas" panose="020B0609020204030204" pitchFamily="49" charset="0"/>
               </a:rPr>
@@ -31842,49 +33482,70 @@
               </a:spcBef>
             </a:pPr>
             <a:r>
-              <a:rPr lang="es-ES_tradnl" sz="1100" dirty="0">
+              <a:rPr lang="es-ES_tradnl" sz="1400" dirty="0">
+                <a:solidFill>
+                  <a:schemeClr val="bg1"/>
+                </a:solidFill>
                 <a:latin typeface="Consolas" panose="020B0609020204030204" pitchFamily="49" charset="0"/>
                 <a:cs typeface="Consolas" panose="020B0609020204030204" pitchFamily="49" charset="0"/>
               </a:rPr>
               <a:t>	</a:t>
             </a:r>
             <a:r>
-              <a:rPr lang="es-ES_tradnl" sz="1100" dirty="0" err="1">
+              <a:rPr lang="es-ES_tradnl" sz="1400" dirty="0" err="1">
+                <a:solidFill>
+                  <a:schemeClr val="bg1"/>
+                </a:solidFill>
                 <a:latin typeface="Consolas" panose="020B0609020204030204" pitchFamily="49" charset="0"/>
                 <a:cs typeface="Consolas" panose="020B0609020204030204" pitchFamily="49" charset="0"/>
               </a:rPr>
               <a:t>State</a:t>
             </a:r>
             <a:r>
-              <a:rPr lang="es-ES_tradnl" sz="1100" dirty="0">
+              <a:rPr lang="es-ES_tradnl" sz="1400" dirty="0">
+                <a:solidFill>
+                  <a:schemeClr val="bg1"/>
+                </a:solidFill>
                 <a:latin typeface="Consolas" panose="020B0609020204030204" pitchFamily="49" charset="0"/>
                 <a:cs typeface="Consolas" panose="020B0609020204030204" pitchFamily="49" charset="0"/>
               </a:rPr>
               <a:t>&lt;</a:t>
             </a:r>
             <a:r>
-              <a:rPr lang="es-ES_tradnl" sz="1100" dirty="0" err="1">
+              <a:rPr lang="es-ES_tradnl" sz="1400" dirty="0" err="1">
+                <a:solidFill>
+                  <a:schemeClr val="bg1"/>
+                </a:solidFill>
                 <a:latin typeface="Consolas" panose="020B0609020204030204" pitchFamily="49" charset="0"/>
                 <a:cs typeface="Consolas" panose="020B0609020204030204" pitchFamily="49" charset="0"/>
               </a:rPr>
               <a:t>game_element</a:t>
             </a:r>
             <a:r>
-              <a:rPr lang="es-ES_tradnl" sz="1100" dirty="0">
+              <a:rPr lang="es-ES_tradnl" sz="1400" dirty="0">
+                <a:solidFill>
+                  <a:schemeClr val="bg1"/>
+                </a:solidFill>
                 <a:latin typeface="Consolas" panose="020B0609020204030204" pitchFamily="49" charset="0"/>
                 <a:cs typeface="Consolas" panose="020B0609020204030204" pitchFamily="49" charset="0"/>
               </a:rPr>
               <a:t>&gt;*   </a:t>
             </a:r>
             <a:r>
-              <a:rPr lang="es-ES_tradnl" sz="1100" dirty="0" err="1">
+              <a:rPr lang="es-ES_tradnl" sz="1400" dirty="0" err="1">
+                <a:solidFill>
+                  <a:schemeClr val="bg1"/>
+                </a:solidFill>
                 <a:latin typeface="Consolas" panose="020B0609020204030204" pitchFamily="49" charset="0"/>
                 <a:cs typeface="Consolas" panose="020B0609020204030204" pitchFamily="49" charset="0"/>
               </a:rPr>
               <a:t>m_pCurrentState</a:t>
             </a:r>
             <a:r>
-              <a:rPr lang="es-ES_tradnl" sz="1100" dirty="0">
+              <a:rPr lang="es-ES_tradnl" sz="1400" dirty="0">
+                <a:solidFill>
+                  <a:schemeClr val="bg1"/>
+                </a:solidFill>
                 <a:latin typeface="Consolas" panose="020B0609020204030204" pitchFamily="49" charset="0"/>
                 <a:cs typeface="Consolas" panose="020B0609020204030204" pitchFamily="49" charset="0"/>
               </a:rPr>
@@ -31898,91 +33559,130 @@
               </a:spcBef>
             </a:pPr>
             <a:r>
-              <a:rPr lang="es-ES_tradnl" sz="1100" dirty="0">
+              <a:rPr lang="es-ES_tradnl" sz="1400" dirty="0">
+                <a:solidFill>
+                  <a:schemeClr val="bg1"/>
+                </a:solidFill>
                 <a:latin typeface="Consolas" panose="020B0609020204030204" pitchFamily="49" charset="0"/>
                 <a:cs typeface="Consolas" panose="020B0609020204030204" pitchFamily="49" charset="0"/>
               </a:rPr>
               <a:t>	//a record of </a:t>
             </a:r>
             <a:r>
-              <a:rPr lang="es-ES_tradnl" sz="1100" dirty="0" err="1">
+              <a:rPr lang="es-ES_tradnl" sz="1400" dirty="0" err="1">
+                <a:solidFill>
+                  <a:schemeClr val="bg1"/>
+                </a:solidFill>
                 <a:latin typeface="Consolas" panose="020B0609020204030204" pitchFamily="49" charset="0"/>
                 <a:cs typeface="Consolas" panose="020B0609020204030204" pitchFamily="49" charset="0"/>
               </a:rPr>
               <a:t>the</a:t>
             </a:r>
             <a:r>
-              <a:rPr lang="es-ES_tradnl" sz="1100" dirty="0">
+              <a:rPr lang="es-ES_tradnl" sz="1400" dirty="0">
+                <a:solidFill>
+                  <a:schemeClr val="bg1"/>
+                </a:solidFill>
                 <a:latin typeface="Consolas" panose="020B0609020204030204" pitchFamily="49" charset="0"/>
                 <a:cs typeface="Consolas" panose="020B0609020204030204" pitchFamily="49" charset="0"/>
               </a:rPr>
               <a:t> </a:t>
             </a:r>
             <a:r>
-              <a:rPr lang="es-ES_tradnl" sz="1100" dirty="0" err="1">
+              <a:rPr lang="es-ES_tradnl" sz="1400" dirty="0" err="1">
+                <a:solidFill>
+                  <a:schemeClr val="bg1"/>
+                </a:solidFill>
                 <a:latin typeface="Consolas" panose="020B0609020204030204" pitchFamily="49" charset="0"/>
                 <a:cs typeface="Consolas" panose="020B0609020204030204" pitchFamily="49" charset="0"/>
               </a:rPr>
               <a:t>last</a:t>
             </a:r>
             <a:r>
-              <a:rPr lang="es-ES_tradnl" sz="1100" dirty="0">
+              <a:rPr lang="es-ES_tradnl" sz="1400" dirty="0">
+                <a:solidFill>
+                  <a:schemeClr val="bg1"/>
+                </a:solidFill>
                 <a:latin typeface="Consolas" panose="020B0609020204030204" pitchFamily="49" charset="0"/>
                 <a:cs typeface="Consolas" panose="020B0609020204030204" pitchFamily="49" charset="0"/>
               </a:rPr>
               <a:t> </a:t>
             </a:r>
             <a:r>
-              <a:rPr lang="es-ES_tradnl" sz="1100" dirty="0" err="1">
+              <a:rPr lang="es-ES_tradnl" sz="1400" dirty="0" err="1">
+                <a:solidFill>
+                  <a:schemeClr val="bg1"/>
+                </a:solidFill>
                 <a:latin typeface="Consolas" panose="020B0609020204030204" pitchFamily="49" charset="0"/>
                 <a:cs typeface="Consolas" panose="020B0609020204030204" pitchFamily="49" charset="0"/>
               </a:rPr>
               <a:t>state</a:t>
             </a:r>
             <a:r>
-              <a:rPr lang="es-ES_tradnl" sz="1100" dirty="0">
+              <a:rPr lang="es-ES_tradnl" sz="1400" dirty="0">
+                <a:solidFill>
+                  <a:schemeClr val="bg1"/>
+                </a:solidFill>
                 <a:latin typeface="Consolas" panose="020B0609020204030204" pitchFamily="49" charset="0"/>
                 <a:cs typeface="Consolas" panose="020B0609020204030204" pitchFamily="49" charset="0"/>
               </a:rPr>
               <a:t> </a:t>
             </a:r>
             <a:r>
-              <a:rPr lang="es-ES_tradnl" sz="1100" dirty="0" err="1">
+              <a:rPr lang="es-ES_tradnl" sz="1400" dirty="0" err="1">
+                <a:solidFill>
+                  <a:schemeClr val="bg1"/>
+                </a:solidFill>
                 <a:latin typeface="Consolas" panose="020B0609020204030204" pitchFamily="49" charset="0"/>
                 <a:cs typeface="Consolas" panose="020B0609020204030204" pitchFamily="49" charset="0"/>
               </a:rPr>
               <a:t>the</a:t>
             </a:r>
             <a:r>
-              <a:rPr lang="es-ES_tradnl" sz="1100" dirty="0">
+              <a:rPr lang="es-ES_tradnl" sz="1400" dirty="0">
+                <a:solidFill>
+                  <a:schemeClr val="bg1"/>
+                </a:solidFill>
                 <a:latin typeface="Consolas" panose="020B0609020204030204" pitchFamily="49" charset="0"/>
                 <a:cs typeface="Consolas" panose="020B0609020204030204" pitchFamily="49" charset="0"/>
               </a:rPr>
               <a:t> </a:t>
             </a:r>
             <a:r>
-              <a:rPr lang="es-ES_tradnl" sz="1100" dirty="0" err="1">
+              <a:rPr lang="es-ES_tradnl" sz="1400" dirty="0" err="1">
+                <a:solidFill>
+                  <a:schemeClr val="bg1"/>
+                </a:solidFill>
                 <a:latin typeface="Consolas" panose="020B0609020204030204" pitchFamily="49" charset="0"/>
                 <a:cs typeface="Consolas" panose="020B0609020204030204" pitchFamily="49" charset="0"/>
               </a:rPr>
               <a:t>agent</a:t>
             </a:r>
             <a:r>
-              <a:rPr lang="es-ES_tradnl" sz="1100" dirty="0">
+              <a:rPr lang="es-ES_tradnl" sz="1400" dirty="0">
+                <a:solidFill>
+                  <a:schemeClr val="bg1"/>
+                </a:solidFill>
                 <a:latin typeface="Consolas" panose="020B0609020204030204" pitchFamily="49" charset="0"/>
                 <a:cs typeface="Consolas" panose="020B0609020204030204" pitchFamily="49" charset="0"/>
               </a:rPr>
               <a:t> </a:t>
             </a:r>
             <a:r>
-              <a:rPr lang="es-ES_tradnl" sz="1100" dirty="0" err="1">
+              <a:rPr lang="es-ES_tradnl" sz="1400" dirty="0" err="1">
+                <a:solidFill>
+                  <a:schemeClr val="bg1"/>
+                </a:solidFill>
                 <a:latin typeface="Consolas" panose="020B0609020204030204" pitchFamily="49" charset="0"/>
                 <a:cs typeface="Consolas" panose="020B0609020204030204" pitchFamily="49" charset="0"/>
               </a:rPr>
               <a:t>was</a:t>
             </a:r>
             <a:r>
-              <a:rPr lang="es-ES_tradnl" sz="1100" dirty="0">
+              <a:rPr lang="es-ES_tradnl" sz="1400" dirty="0">
+                <a:solidFill>
+                  <a:schemeClr val="bg1"/>
+                </a:solidFill>
                 <a:latin typeface="Consolas" panose="020B0609020204030204" pitchFamily="49" charset="0"/>
                 <a:cs typeface="Consolas" panose="020B0609020204030204" pitchFamily="49" charset="0"/>
               </a:rPr>
@@ -31996,49 +33696,70 @@
               </a:spcBef>
             </a:pPr>
             <a:r>
-              <a:rPr lang="es-ES_tradnl" sz="1100" dirty="0">
+              <a:rPr lang="es-ES_tradnl" sz="1400" dirty="0">
+                <a:solidFill>
+                  <a:schemeClr val="bg1"/>
+                </a:solidFill>
                 <a:latin typeface="Consolas" panose="020B0609020204030204" pitchFamily="49" charset="0"/>
                 <a:cs typeface="Consolas" panose="020B0609020204030204" pitchFamily="49" charset="0"/>
               </a:rPr>
               <a:t>	</a:t>
             </a:r>
             <a:r>
-              <a:rPr lang="es-ES_tradnl" sz="1100" dirty="0" err="1">
+              <a:rPr lang="es-ES_tradnl" sz="1400" dirty="0" err="1">
+                <a:solidFill>
+                  <a:schemeClr val="bg1"/>
+                </a:solidFill>
                 <a:latin typeface="Consolas" panose="020B0609020204030204" pitchFamily="49" charset="0"/>
                 <a:cs typeface="Consolas" panose="020B0609020204030204" pitchFamily="49" charset="0"/>
               </a:rPr>
               <a:t>State</a:t>
             </a:r>
             <a:r>
-              <a:rPr lang="es-ES_tradnl" sz="1100" dirty="0">
+              <a:rPr lang="es-ES_tradnl" sz="1400" dirty="0">
+                <a:solidFill>
+                  <a:schemeClr val="bg1"/>
+                </a:solidFill>
                 <a:latin typeface="Consolas" panose="020B0609020204030204" pitchFamily="49" charset="0"/>
                 <a:cs typeface="Consolas" panose="020B0609020204030204" pitchFamily="49" charset="0"/>
               </a:rPr>
               <a:t>&lt;</a:t>
             </a:r>
             <a:r>
-              <a:rPr lang="es-ES_tradnl" sz="1100" dirty="0" err="1">
+              <a:rPr lang="es-ES_tradnl" sz="1400" dirty="0" err="1">
+                <a:solidFill>
+                  <a:schemeClr val="bg1"/>
+                </a:solidFill>
                 <a:latin typeface="Consolas" panose="020B0609020204030204" pitchFamily="49" charset="0"/>
                 <a:cs typeface="Consolas" panose="020B0609020204030204" pitchFamily="49" charset="0"/>
               </a:rPr>
               <a:t>game_element</a:t>
             </a:r>
             <a:r>
-              <a:rPr lang="es-ES_tradnl" sz="1100" dirty="0">
+              <a:rPr lang="es-ES_tradnl" sz="1400" dirty="0">
+                <a:solidFill>
+                  <a:schemeClr val="bg1"/>
+                </a:solidFill>
                 <a:latin typeface="Consolas" panose="020B0609020204030204" pitchFamily="49" charset="0"/>
                 <a:cs typeface="Consolas" panose="020B0609020204030204" pitchFamily="49" charset="0"/>
               </a:rPr>
               <a:t>&gt;*   </a:t>
             </a:r>
             <a:r>
-              <a:rPr lang="es-ES_tradnl" sz="1100" dirty="0" err="1">
+              <a:rPr lang="es-ES_tradnl" sz="1400" dirty="0" err="1">
+                <a:solidFill>
+                  <a:schemeClr val="bg1"/>
+                </a:solidFill>
                 <a:latin typeface="Consolas" panose="020B0609020204030204" pitchFamily="49" charset="0"/>
                 <a:cs typeface="Consolas" panose="020B0609020204030204" pitchFamily="49" charset="0"/>
               </a:rPr>
               <a:t>m_pPreviousState</a:t>
             </a:r>
             <a:r>
-              <a:rPr lang="es-ES_tradnl" sz="1100" dirty="0">
+              <a:rPr lang="es-ES_tradnl" sz="1400" dirty="0">
+                <a:solidFill>
+                  <a:schemeClr val="bg1"/>
+                </a:solidFill>
                 <a:latin typeface="Consolas" panose="020B0609020204030204" pitchFamily="49" charset="0"/>
                 <a:cs typeface="Consolas" panose="020B0609020204030204" pitchFamily="49" charset="0"/>
               </a:rPr>
@@ -32052,104 +33773,149 @@
               </a:spcBef>
             </a:pPr>
             <a:r>
-              <a:rPr lang="es-ES_tradnl" sz="1100" dirty="0">
+              <a:rPr lang="es-ES_tradnl" sz="1400" dirty="0">
+                <a:solidFill>
+                  <a:schemeClr val="bg1"/>
+                </a:solidFill>
                 <a:latin typeface="Consolas" panose="020B0609020204030204" pitchFamily="49" charset="0"/>
                 <a:cs typeface="Consolas" panose="020B0609020204030204" pitchFamily="49" charset="0"/>
               </a:rPr>
               <a:t>	//</a:t>
             </a:r>
             <a:r>
-              <a:rPr lang="es-ES_tradnl" sz="1100" dirty="0" err="1">
+              <a:rPr lang="es-ES_tradnl" sz="1400" dirty="0" err="1">
+                <a:solidFill>
+                  <a:schemeClr val="bg1"/>
+                </a:solidFill>
                 <a:latin typeface="Consolas" panose="020B0609020204030204" pitchFamily="49" charset="0"/>
                 <a:cs typeface="Consolas" panose="020B0609020204030204" pitchFamily="49" charset="0"/>
               </a:rPr>
               <a:t>this</a:t>
             </a:r>
             <a:r>
-              <a:rPr lang="es-ES_tradnl" sz="1100" dirty="0">
+              <a:rPr lang="es-ES_tradnl" sz="1400" dirty="0">
+                <a:solidFill>
+                  <a:schemeClr val="bg1"/>
+                </a:solidFill>
                 <a:latin typeface="Consolas" panose="020B0609020204030204" pitchFamily="49" charset="0"/>
                 <a:cs typeface="Consolas" panose="020B0609020204030204" pitchFamily="49" charset="0"/>
               </a:rPr>
               <a:t> </a:t>
             </a:r>
             <a:r>
-              <a:rPr lang="es-ES_tradnl" sz="1100" dirty="0" err="1">
+              <a:rPr lang="es-ES_tradnl" sz="1400" dirty="0" err="1">
+                <a:solidFill>
+                  <a:schemeClr val="bg1"/>
+                </a:solidFill>
                 <a:latin typeface="Consolas" panose="020B0609020204030204" pitchFamily="49" charset="0"/>
                 <a:cs typeface="Consolas" panose="020B0609020204030204" pitchFamily="49" charset="0"/>
               </a:rPr>
               <a:t>is</a:t>
             </a:r>
             <a:r>
-              <a:rPr lang="es-ES_tradnl" sz="1100" dirty="0">
+              <a:rPr lang="es-ES_tradnl" sz="1400" dirty="0">
+                <a:solidFill>
+                  <a:schemeClr val="bg1"/>
+                </a:solidFill>
                 <a:latin typeface="Consolas" panose="020B0609020204030204" pitchFamily="49" charset="0"/>
                 <a:cs typeface="Consolas" panose="020B0609020204030204" pitchFamily="49" charset="0"/>
               </a:rPr>
               <a:t> </a:t>
             </a:r>
             <a:r>
-              <a:rPr lang="es-ES_tradnl" sz="1100" dirty="0" err="1">
+              <a:rPr lang="es-ES_tradnl" sz="1400" dirty="0" err="1">
+                <a:solidFill>
+                  <a:schemeClr val="bg1"/>
+                </a:solidFill>
                 <a:latin typeface="Consolas" panose="020B0609020204030204" pitchFamily="49" charset="0"/>
                 <a:cs typeface="Consolas" panose="020B0609020204030204" pitchFamily="49" charset="0"/>
               </a:rPr>
               <a:t>called</a:t>
             </a:r>
             <a:r>
-              <a:rPr lang="es-ES_tradnl" sz="1100" dirty="0">
+              <a:rPr lang="es-ES_tradnl" sz="1400" dirty="0">
+                <a:solidFill>
+                  <a:schemeClr val="bg1"/>
+                </a:solidFill>
                 <a:latin typeface="Consolas" panose="020B0609020204030204" pitchFamily="49" charset="0"/>
                 <a:cs typeface="Consolas" panose="020B0609020204030204" pitchFamily="49" charset="0"/>
               </a:rPr>
               <a:t> </a:t>
             </a:r>
             <a:r>
-              <a:rPr lang="es-ES_tradnl" sz="1100" dirty="0" err="1">
+              <a:rPr lang="es-ES_tradnl" sz="1400" dirty="0" err="1">
+                <a:solidFill>
+                  <a:schemeClr val="bg1"/>
+                </a:solidFill>
                 <a:latin typeface="Consolas" panose="020B0609020204030204" pitchFamily="49" charset="0"/>
                 <a:cs typeface="Consolas" panose="020B0609020204030204" pitchFamily="49" charset="0"/>
               </a:rPr>
               <a:t>every</a:t>
             </a:r>
             <a:r>
-              <a:rPr lang="es-ES_tradnl" sz="1100" dirty="0">
+              <a:rPr lang="es-ES_tradnl" sz="1400" dirty="0">
+                <a:solidFill>
+                  <a:schemeClr val="bg1"/>
+                </a:solidFill>
                 <a:latin typeface="Consolas" panose="020B0609020204030204" pitchFamily="49" charset="0"/>
                 <a:cs typeface="Consolas" panose="020B0609020204030204" pitchFamily="49" charset="0"/>
               </a:rPr>
               <a:t> time </a:t>
             </a:r>
             <a:r>
-              <a:rPr lang="es-ES_tradnl" sz="1100" dirty="0" err="1">
+              <a:rPr lang="es-ES_tradnl" sz="1400" dirty="0" err="1">
+                <a:solidFill>
+                  <a:schemeClr val="bg1"/>
+                </a:solidFill>
                 <a:latin typeface="Consolas" panose="020B0609020204030204" pitchFamily="49" charset="0"/>
                 <a:cs typeface="Consolas" panose="020B0609020204030204" pitchFamily="49" charset="0"/>
               </a:rPr>
               <a:t>the</a:t>
             </a:r>
             <a:r>
-              <a:rPr lang="es-ES_tradnl" sz="1100" dirty="0">
+              <a:rPr lang="es-ES_tradnl" sz="1400" dirty="0">
+                <a:solidFill>
+                  <a:schemeClr val="bg1"/>
+                </a:solidFill>
                 <a:latin typeface="Consolas" panose="020B0609020204030204" pitchFamily="49" charset="0"/>
                 <a:cs typeface="Consolas" panose="020B0609020204030204" pitchFamily="49" charset="0"/>
               </a:rPr>
               <a:t> FSM </a:t>
             </a:r>
             <a:r>
-              <a:rPr lang="es-ES_tradnl" sz="1100" dirty="0" err="1">
+              <a:rPr lang="es-ES_tradnl" sz="1400" dirty="0" err="1">
+                <a:solidFill>
+                  <a:schemeClr val="bg1"/>
+                </a:solidFill>
                 <a:latin typeface="Consolas" panose="020B0609020204030204" pitchFamily="49" charset="0"/>
                 <a:cs typeface="Consolas" panose="020B0609020204030204" pitchFamily="49" charset="0"/>
               </a:rPr>
               <a:t>is</a:t>
             </a:r>
             <a:r>
-              <a:rPr lang="es-ES_tradnl" sz="1100" dirty="0">
+              <a:rPr lang="es-ES_tradnl" sz="1400" dirty="0">
+                <a:solidFill>
+                  <a:schemeClr val="bg1"/>
+                </a:solidFill>
                 <a:latin typeface="Consolas" panose="020B0609020204030204" pitchFamily="49" charset="0"/>
                 <a:cs typeface="Consolas" panose="020B0609020204030204" pitchFamily="49" charset="0"/>
               </a:rPr>
               <a:t> </a:t>
             </a:r>
             <a:r>
-              <a:rPr lang="es-ES_tradnl" sz="1100" dirty="0" err="1">
+              <a:rPr lang="es-ES_tradnl" sz="1400" dirty="0" err="1">
+                <a:solidFill>
+                  <a:schemeClr val="bg1"/>
+                </a:solidFill>
                 <a:latin typeface="Consolas" panose="020B0609020204030204" pitchFamily="49" charset="0"/>
                 <a:cs typeface="Consolas" panose="020B0609020204030204" pitchFamily="49" charset="0"/>
               </a:rPr>
               <a:t>updated</a:t>
             </a:r>
-            <a:endParaRPr lang="es-ES_tradnl" sz="1100" dirty="0">
+            <a:endParaRPr lang="es-ES_tradnl" sz="1400" dirty="0">
+              <a:solidFill>
+                <a:schemeClr val="bg1"/>
+              </a:solidFill>
               <a:latin typeface="Consolas" panose="020B0609020204030204" pitchFamily="49" charset="0"/>
               <a:cs typeface="Consolas" panose="020B0609020204030204" pitchFamily="49" charset="0"/>
             </a:endParaRPr>
@@ -32161,49 +33927,70 @@
               </a:spcBef>
             </a:pPr>
             <a:r>
-              <a:rPr lang="es-ES_tradnl" sz="1100" dirty="0">
+              <a:rPr lang="es-ES_tradnl" sz="1400" dirty="0">
+                <a:solidFill>
+                  <a:schemeClr val="bg1"/>
+                </a:solidFill>
                 <a:latin typeface="Consolas" panose="020B0609020204030204" pitchFamily="49" charset="0"/>
                 <a:cs typeface="Consolas" panose="020B0609020204030204" pitchFamily="49" charset="0"/>
               </a:rPr>
               <a:t>	</a:t>
             </a:r>
             <a:r>
-              <a:rPr lang="es-ES_tradnl" sz="1100" dirty="0" err="1">
+              <a:rPr lang="es-ES_tradnl" sz="1400" dirty="0" err="1">
+                <a:solidFill>
+                  <a:schemeClr val="bg1"/>
+                </a:solidFill>
                 <a:latin typeface="Consolas" panose="020B0609020204030204" pitchFamily="49" charset="0"/>
                 <a:cs typeface="Consolas" panose="020B0609020204030204" pitchFamily="49" charset="0"/>
               </a:rPr>
               <a:t>State</a:t>
             </a:r>
             <a:r>
-              <a:rPr lang="es-ES_tradnl" sz="1100" dirty="0">
+              <a:rPr lang="es-ES_tradnl" sz="1400" dirty="0">
+                <a:solidFill>
+                  <a:schemeClr val="bg1"/>
+                </a:solidFill>
                 <a:latin typeface="Consolas" panose="020B0609020204030204" pitchFamily="49" charset="0"/>
                 <a:cs typeface="Consolas" panose="020B0609020204030204" pitchFamily="49" charset="0"/>
               </a:rPr>
               <a:t>&lt;</a:t>
             </a:r>
             <a:r>
-              <a:rPr lang="es-ES_tradnl" sz="1100" dirty="0" err="1">
+              <a:rPr lang="es-ES_tradnl" sz="1400" dirty="0" err="1">
+                <a:solidFill>
+                  <a:schemeClr val="bg1"/>
+                </a:solidFill>
                 <a:latin typeface="Consolas" panose="020B0609020204030204" pitchFamily="49" charset="0"/>
                 <a:cs typeface="Consolas" panose="020B0609020204030204" pitchFamily="49" charset="0"/>
               </a:rPr>
               <a:t>game_element</a:t>
             </a:r>
             <a:r>
-              <a:rPr lang="es-ES_tradnl" sz="1100" dirty="0">
+              <a:rPr lang="es-ES_tradnl" sz="1400" dirty="0">
+                <a:solidFill>
+                  <a:schemeClr val="bg1"/>
+                </a:solidFill>
                 <a:latin typeface="Consolas" panose="020B0609020204030204" pitchFamily="49" charset="0"/>
                 <a:cs typeface="Consolas" panose="020B0609020204030204" pitchFamily="49" charset="0"/>
               </a:rPr>
               <a:t>&gt;*   </a:t>
             </a:r>
             <a:r>
-              <a:rPr lang="es-ES_tradnl" sz="1100" dirty="0" err="1">
+              <a:rPr lang="es-ES_tradnl" sz="1400" dirty="0" err="1">
+                <a:solidFill>
+                  <a:schemeClr val="bg1"/>
+                </a:solidFill>
                 <a:latin typeface="Consolas" panose="020B0609020204030204" pitchFamily="49" charset="0"/>
                 <a:cs typeface="Consolas" panose="020B0609020204030204" pitchFamily="49" charset="0"/>
               </a:rPr>
               <a:t>m_pGlobalState</a:t>
             </a:r>
             <a:r>
-              <a:rPr lang="es-ES_tradnl" sz="1100" dirty="0">
+              <a:rPr lang="es-ES_tradnl" sz="1400" dirty="0">
+                <a:solidFill>
+                  <a:schemeClr val="bg1"/>
+                </a:solidFill>
                 <a:latin typeface="Consolas" panose="020B0609020204030204" pitchFamily="49" charset="0"/>
                 <a:cs typeface="Consolas" panose="020B0609020204030204" pitchFamily="49" charset="0"/>
               </a:rPr>
@@ -42683,6 +44470,13 @@
   <p:clrMapOvr>
     <a:masterClrMapping/>
   </p:clrMapOvr>
+  <p:timing>
+    <p:tnLst>
+      <p:par>
+        <p:cTn id="1" dur="indefinite" restart="never" nodeType="tmRoot"/>
+      </p:par>
+    </p:tnLst>
+  </p:timing>
 </p:sld>
 </file>
 
@@ -42930,6 +44724,13 @@
   <p:clrMapOvr>
     <a:masterClrMapping/>
   </p:clrMapOvr>
+  <p:timing>
+    <p:tnLst>
+      <p:par>
+        <p:cTn id="1" dur="indefinite" restart="never" nodeType="tmRoot"/>
+      </p:par>
+    </p:tnLst>
+  </p:timing>
 </p:sld>
 </file>
 
@@ -43656,6 +45457,13 @@
   <p:clrMapOvr>
     <a:masterClrMapping/>
   </p:clrMapOvr>
+  <p:timing>
+    <p:tnLst>
+      <p:par>
+        <p:cTn id="1" dur="indefinite" restart="never" nodeType="tmRoot"/>
+      </p:par>
+    </p:tnLst>
+  </p:timing>
 </p:sld>
 </file>
 
@@ -43949,7 +45757,6 @@
               <a:rPr lang="es-ES" dirty="0"/>
               <a:t>Acciones</a:t>
             </a:r>
-            <a:endParaRPr lang="es-ES" dirty="0"/>
           </a:p>
         </p:txBody>
       </p:sp>
@@ -43991,7 +45798,6 @@
               <a:rPr lang="es-ES" dirty="0"/>
               <a:t>Controlador</a:t>
             </a:r>
-            <a:endParaRPr lang="es-ES" dirty="0"/>
           </a:p>
         </p:txBody>
       </p:sp>
@@ -44179,7 +45985,6 @@
               <a:rPr lang="es-ES" dirty="0"/>
               <a:t>Entorno / Estado del Juego</a:t>
             </a:r>
-            <a:endParaRPr lang="es-ES" dirty="0"/>
           </a:p>
         </p:txBody>
       </p:sp>
@@ -44222,7 +46027,6 @@
               <a:rPr lang="es-ES" sz="1200" dirty="0"/>
               <a:t>Percepción</a:t>
             </a:r>
-            <a:endParaRPr lang="es-ES" sz="1200" dirty="0"/>
           </a:p>
         </p:txBody>
       </p:sp>
@@ -44236,14 +46040,21 @@
   <p:clrMapOvr>
     <a:masterClrMapping/>
   </p:clrMapOvr>
-  <mc:AlternateContent xmlns:mc="http://schemas.openxmlformats.org/markup-compatibility/2006">
-    <mc:Choice xmlns:p14="http://schemas.microsoft.com/office/powerpoint/2010/main" Requires="p14">
+  <mc:AlternateContent xmlns:mc="http://schemas.openxmlformats.org/markup-compatibility/2006" xmlns:p14="http://schemas.microsoft.com/office/powerpoint/2010/main">
+    <mc:Choice Requires="p14">
       <p:transition spd="slow" p14:dur="2000"/>
     </mc:Choice>
-    <mc:Fallback>
+    <mc:Fallback xmlns="">
       <p:transition spd="slow"/>
     </mc:Fallback>
   </mc:AlternateContent>
+  <p:timing>
+    <p:tnLst>
+      <p:par>
+        <p:cTn id="1" dur="indefinite" restart="never" nodeType="tmRoot"/>
+      </p:par>
+    </p:tnLst>
+  </p:timing>
 </p:sld>
 </file>
 
